--- a/Final-Group-Presentation/Final-Group-Presentation.pptx
+++ b/Final-Group-Presentation/Final-Group-Presentation.pptx
@@ -18,21 +18,26 @@
     <p:sldId id="263" r:id="rId13"/>
     <p:sldId id="264" r:id="rId14"/>
     <p:sldId id="265" r:id="rId15"/>
+    <p:sldId id="266" r:id="rId16"/>
+    <p:sldId id="267" r:id="rId17"/>
+    <p:sldId id="268" r:id="rId18"/>
+    <p:sldId id="269" r:id="rId19"/>
+    <p:sldId id="270" r:id="rId20"/>
   </p:sldIdLst>
   <p:sldSz cy="5143500" cx="9144000"/>
   <p:notesSz cx="6858000" cy="9144000"/>
   <p:embeddedFontLst>
     <p:embeddedFont>
       <p:font typeface="Roboto Slab"/>
-      <p:regular r:id="rId16"/>
-      <p:bold r:id="rId17"/>
+      <p:regular r:id="rId21"/>
+      <p:bold r:id="rId22"/>
     </p:embeddedFont>
     <p:embeddedFont>
       <p:font typeface="Roboto"/>
-      <p:regular r:id="rId18"/>
-      <p:bold r:id="rId19"/>
-      <p:italic r:id="rId20"/>
-      <p:boldItalic r:id="rId21"/>
+      <p:regular r:id="rId23"/>
+      <p:bold r:id="rId24"/>
+      <p:italic r:id="rId25"/>
+      <p:boldItalic r:id="rId26"/>
     </p:embeddedFont>
   </p:embeddedFontLst>
   <p:defaultTextStyle>
@@ -813,7 +818,7 @@
   <p:cSld>
     <p:spTree>
       <p:nvGrpSpPr>
-        <p:cNvPr id="112" name="Shape 112"/>
+        <p:cNvPr id="120" name="Shape 120"/>
         <p:cNvGrpSpPr/>
         <p:nvPr/>
       </p:nvGrpSpPr>
@@ -827,7 +832,7 @@
       </p:grpSpPr>
       <p:sp>
         <p:nvSpPr>
-          <p:cNvPr id="113" name="Google Shape;113;g21ee2b7a005_1_15:notes"/>
+          <p:cNvPr id="121" name="Google Shape;121;g23c73736dcc_0_19:notes"/>
           <p:cNvSpPr/>
           <p:nvPr>
             <p:ph idx="2" type="sldImg"/>
@@ -862,7 +867,502 @@
       </p:sp>
       <p:sp>
         <p:nvSpPr>
-          <p:cNvPr id="114" name="Google Shape;114;g21ee2b7a005_1_15:notes"/>
+          <p:cNvPr id="122" name="Google Shape;122;g23c73736dcc_0_19:notes"/>
+          <p:cNvSpPr txBox="1"/>
+          <p:nvPr>
+            <p:ph idx="1" type="body"/>
+          </p:nvPr>
+        </p:nvSpPr>
+        <p:spPr>
+          <a:xfrm>
+            <a:off x="685800" y="4343400"/>
+            <a:ext cx="5486400" cy="4114800"/>
+          </a:xfrm>
+          <a:prstGeom prst="rect">
+            <a:avLst/>
+          </a:prstGeom>
+        </p:spPr>
+        <p:txBody>
+          <a:bodyPr anchorCtr="0" anchor="t" bIns="91425" lIns="91425" spcFirstLastPara="1" rIns="91425" wrap="square" tIns="91425">
+            <a:noAutofit/>
+          </a:bodyPr>
+          <a:lstStyle/>
+          <a:p>
+            <a:pPr indent="0" lvl="0" marL="0" rtl="0" algn="l">
+              <a:spcBef>
+                <a:spcPts val="0"/>
+              </a:spcBef>
+              <a:spcAft>
+                <a:spcPts val="0"/>
+              </a:spcAft>
+              <a:buNone/>
+            </a:pPr>
+            <a:r>
+              <a:t/>
+            </a:r>
+            <a:endParaRPr/>
+          </a:p>
+        </p:txBody>
+      </p:sp>
+    </p:spTree>
+  </p:cSld>
+  <p:clrMapOvr>
+    <a:masterClrMapping/>
+  </p:clrMapOvr>
+</p:notes>
+</file>
+
+<file path=ppt/notesSlides/notesSlide11.xml><?xml version="1.0" encoding="utf-8"?>
+<p:notes xmlns:a="http://schemas.openxmlformats.org/drawingml/2006/main" xmlns:r="http://schemas.openxmlformats.org/officeDocument/2006/relationships" xmlns:mc="http://schemas.openxmlformats.org/markup-compatibility/2006" xmlns:mv="urn:schemas-microsoft-com:mac:vml" xmlns:p="http://schemas.openxmlformats.org/presentationml/2006/main" xmlns:c="http://schemas.openxmlformats.org/drawingml/2006/chart" xmlns:dgm="http://schemas.openxmlformats.org/drawingml/2006/diagram" xmlns:o="urn:schemas-microsoft-com:office:office" xmlns:v="urn:schemas-microsoft-com:vml" xmlns:pvml="urn:schemas-microsoft-com:office:powerpoint" xmlns:com="http://schemas.openxmlformats.org/drawingml/2006/compatibility" xmlns:p14="http://schemas.microsoft.com/office/powerpoint/2010/main" xmlns:p15="http://schemas.microsoft.com/office/powerpoint/2012/main" xmlns:ahyp="http://schemas.microsoft.com/office/drawing/2018/hyperlinkcolor" showMasterPhAnim="0" showMasterSp="0">
+  <p:cSld>
+    <p:spTree>
+      <p:nvGrpSpPr>
+        <p:cNvPr id="126" name="Shape 126"/>
+        <p:cNvGrpSpPr/>
+        <p:nvPr/>
+      </p:nvGrpSpPr>
+      <p:grpSpPr>
+        <a:xfrm>
+          <a:off x="0" y="0"/>
+          <a:ext cx="0" cy="0"/>
+          <a:chOff x="0" y="0"/>
+          <a:chExt cx="0" cy="0"/>
+        </a:xfrm>
+      </p:grpSpPr>
+      <p:sp>
+        <p:nvSpPr>
+          <p:cNvPr id="127" name="Google Shape;127;g21ee2b7a005_1_5:notes"/>
+          <p:cNvSpPr/>
+          <p:nvPr>
+            <p:ph idx="2" type="sldImg"/>
+          </p:nvPr>
+        </p:nvSpPr>
+        <p:spPr>
+          <a:xfrm>
+            <a:off x="381300" y="685800"/>
+            <a:ext cx="6096000" cy="3429000"/>
+          </a:xfrm>
+          <a:custGeom>
+            <a:rect b="b" l="l" r="r" t="t"/>
+            <a:pathLst>
+              <a:path extrusionOk="0" h="120000" w="120000">
+                <a:moveTo>
+                  <a:pt x="0" y="0"/>
+                </a:moveTo>
+                <a:lnTo>
+                  <a:pt x="120000" y="0"/>
+                </a:lnTo>
+                <a:lnTo>
+                  <a:pt x="120000" y="120000"/>
+                </a:lnTo>
+                <a:lnTo>
+                  <a:pt x="0" y="120000"/>
+                </a:lnTo>
+                <a:close/>
+              </a:path>
+            </a:pathLst>
+          </a:custGeom>
+        </p:spPr>
+      </p:sp>
+      <p:sp>
+        <p:nvSpPr>
+          <p:cNvPr id="128" name="Google Shape;128;g21ee2b7a005_1_5:notes"/>
+          <p:cNvSpPr txBox="1"/>
+          <p:nvPr>
+            <p:ph idx="1" type="body"/>
+          </p:nvPr>
+        </p:nvSpPr>
+        <p:spPr>
+          <a:xfrm>
+            <a:off x="685800" y="4343400"/>
+            <a:ext cx="5486400" cy="4114800"/>
+          </a:xfrm>
+          <a:prstGeom prst="rect">
+            <a:avLst/>
+          </a:prstGeom>
+        </p:spPr>
+        <p:txBody>
+          <a:bodyPr anchorCtr="0" anchor="t" bIns="91425" lIns="91425" spcFirstLastPara="1" rIns="91425" wrap="square" tIns="91425">
+            <a:noAutofit/>
+          </a:bodyPr>
+          <a:lstStyle/>
+          <a:p>
+            <a:pPr indent="0" lvl="0" marL="0" rtl="0" algn="l">
+              <a:spcBef>
+                <a:spcPts val="0"/>
+              </a:spcBef>
+              <a:spcAft>
+                <a:spcPts val="0"/>
+              </a:spcAft>
+              <a:buNone/>
+            </a:pPr>
+            <a:r>
+              <a:t/>
+            </a:r>
+            <a:endParaRPr/>
+          </a:p>
+        </p:txBody>
+      </p:sp>
+    </p:spTree>
+  </p:cSld>
+  <p:clrMapOvr>
+    <a:masterClrMapping/>
+  </p:clrMapOvr>
+</p:notes>
+</file>
+
+<file path=ppt/notesSlides/notesSlide12.xml><?xml version="1.0" encoding="utf-8"?>
+<p:notes xmlns:a="http://schemas.openxmlformats.org/drawingml/2006/main" xmlns:r="http://schemas.openxmlformats.org/officeDocument/2006/relationships" xmlns:mc="http://schemas.openxmlformats.org/markup-compatibility/2006" xmlns:mv="urn:schemas-microsoft-com:mac:vml" xmlns:p="http://schemas.openxmlformats.org/presentationml/2006/main" xmlns:c="http://schemas.openxmlformats.org/drawingml/2006/chart" xmlns:dgm="http://schemas.openxmlformats.org/drawingml/2006/diagram" xmlns:o="urn:schemas-microsoft-com:office:office" xmlns:v="urn:schemas-microsoft-com:vml" xmlns:pvml="urn:schemas-microsoft-com:office:powerpoint" xmlns:com="http://schemas.openxmlformats.org/drawingml/2006/compatibility" xmlns:p14="http://schemas.microsoft.com/office/powerpoint/2010/main" xmlns:p15="http://schemas.microsoft.com/office/powerpoint/2012/main" xmlns:ahyp="http://schemas.microsoft.com/office/drawing/2018/hyperlinkcolor" showMasterPhAnim="0" showMasterSp="0">
+  <p:cSld>
+    <p:spTree>
+      <p:nvGrpSpPr>
+        <p:cNvPr id="132" name="Shape 132"/>
+        <p:cNvGrpSpPr/>
+        <p:nvPr/>
+      </p:nvGrpSpPr>
+      <p:grpSpPr>
+        <a:xfrm>
+          <a:off x="0" y="0"/>
+          <a:ext cx="0" cy="0"/>
+          <a:chOff x="0" y="0"/>
+          <a:chExt cx="0" cy="0"/>
+        </a:xfrm>
+      </p:grpSpPr>
+      <p:sp>
+        <p:nvSpPr>
+          <p:cNvPr id="133" name="Google Shape;133;g23c73736dcc_0_47:notes"/>
+          <p:cNvSpPr/>
+          <p:nvPr>
+            <p:ph idx="2" type="sldImg"/>
+          </p:nvPr>
+        </p:nvSpPr>
+        <p:spPr>
+          <a:xfrm>
+            <a:off x="381300" y="685800"/>
+            <a:ext cx="6096000" cy="3429000"/>
+          </a:xfrm>
+          <a:custGeom>
+            <a:rect b="b" l="l" r="r" t="t"/>
+            <a:pathLst>
+              <a:path extrusionOk="0" h="120000" w="120000">
+                <a:moveTo>
+                  <a:pt x="0" y="0"/>
+                </a:moveTo>
+                <a:lnTo>
+                  <a:pt x="120000" y="0"/>
+                </a:lnTo>
+                <a:lnTo>
+                  <a:pt x="120000" y="120000"/>
+                </a:lnTo>
+                <a:lnTo>
+                  <a:pt x="0" y="120000"/>
+                </a:lnTo>
+                <a:close/>
+              </a:path>
+            </a:pathLst>
+          </a:custGeom>
+        </p:spPr>
+      </p:sp>
+      <p:sp>
+        <p:nvSpPr>
+          <p:cNvPr id="134" name="Google Shape;134;g23c73736dcc_0_47:notes"/>
+          <p:cNvSpPr txBox="1"/>
+          <p:nvPr>
+            <p:ph idx="1" type="body"/>
+          </p:nvPr>
+        </p:nvSpPr>
+        <p:spPr>
+          <a:xfrm>
+            <a:off x="685800" y="4343400"/>
+            <a:ext cx="5486400" cy="4114800"/>
+          </a:xfrm>
+          <a:prstGeom prst="rect">
+            <a:avLst/>
+          </a:prstGeom>
+        </p:spPr>
+        <p:txBody>
+          <a:bodyPr anchorCtr="0" anchor="t" bIns="91425" lIns="91425" spcFirstLastPara="1" rIns="91425" wrap="square" tIns="91425">
+            <a:noAutofit/>
+          </a:bodyPr>
+          <a:lstStyle/>
+          <a:p>
+            <a:pPr indent="0" lvl="0" marL="0" rtl="0" algn="l">
+              <a:spcBef>
+                <a:spcPts val="0"/>
+              </a:spcBef>
+              <a:spcAft>
+                <a:spcPts val="0"/>
+              </a:spcAft>
+              <a:buNone/>
+            </a:pPr>
+            <a:r>
+              <a:t/>
+            </a:r>
+            <a:endParaRPr/>
+          </a:p>
+        </p:txBody>
+      </p:sp>
+    </p:spTree>
+  </p:cSld>
+  <p:clrMapOvr>
+    <a:masterClrMapping/>
+  </p:clrMapOvr>
+</p:notes>
+</file>
+
+<file path=ppt/notesSlides/notesSlide13.xml><?xml version="1.0" encoding="utf-8"?>
+<p:notes xmlns:a="http://schemas.openxmlformats.org/drawingml/2006/main" xmlns:r="http://schemas.openxmlformats.org/officeDocument/2006/relationships" xmlns:mc="http://schemas.openxmlformats.org/markup-compatibility/2006" xmlns:mv="urn:schemas-microsoft-com:mac:vml" xmlns:p="http://schemas.openxmlformats.org/presentationml/2006/main" xmlns:c="http://schemas.openxmlformats.org/drawingml/2006/chart" xmlns:dgm="http://schemas.openxmlformats.org/drawingml/2006/diagram" xmlns:o="urn:schemas-microsoft-com:office:office" xmlns:v="urn:schemas-microsoft-com:vml" xmlns:pvml="urn:schemas-microsoft-com:office:powerpoint" xmlns:com="http://schemas.openxmlformats.org/drawingml/2006/compatibility" xmlns:p14="http://schemas.microsoft.com/office/powerpoint/2010/main" xmlns:p15="http://schemas.microsoft.com/office/powerpoint/2012/main" xmlns:ahyp="http://schemas.microsoft.com/office/drawing/2018/hyperlinkcolor" showMasterPhAnim="0" showMasterSp="0">
+  <p:cSld>
+    <p:spTree>
+      <p:nvGrpSpPr>
+        <p:cNvPr id="138" name="Shape 138"/>
+        <p:cNvGrpSpPr/>
+        <p:nvPr/>
+      </p:nvGrpSpPr>
+      <p:grpSpPr>
+        <a:xfrm>
+          <a:off x="0" y="0"/>
+          <a:ext cx="0" cy="0"/>
+          <a:chOff x="0" y="0"/>
+          <a:chExt cx="0" cy="0"/>
+        </a:xfrm>
+      </p:grpSpPr>
+      <p:sp>
+        <p:nvSpPr>
+          <p:cNvPr id="139" name="Google Shape;139;g21ee2b7a005_1_10:notes"/>
+          <p:cNvSpPr/>
+          <p:nvPr>
+            <p:ph idx="2" type="sldImg"/>
+          </p:nvPr>
+        </p:nvSpPr>
+        <p:spPr>
+          <a:xfrm>
+            <a:off x="381300" y="685800"/>
+            <a:ext cx="6096000" cy="3429000"/>
+          </a:xfrm>
+          <a:custGeom>
+            <a:rect b="b" l="l" r="r" t="t"/>
+            <a:pathLst>
+              <a:path extrusionOk="0" h="120000" w="120000">
+                <a:moveTo>
+                  <a:pt x="0" y="0"/>
+                </a:moveTo>
+                <a:lnTo>
+                  <a:pt x="120000" y="0"/>
+                </a:lnTo>
+                <a:lnTo>
+                  <a:pt x="120000" y="120000"/>
+                </a:lnTo>
+                <a:lnTo>
+                  <a:pt x="0" y="120000"/>
+                </a:lnTo>
+                <a:close/>
+              </a:path>
+            </a:pathLst>
+          </a:custGeom>
+        </p:spPr>
+      </p:sp>
+      <p:sp>
+        <p:nvSpPr>
+          <p:cNvPr id="140" name="Google Shape;140;g21ee2b7a005_1_10:notes"/>
+          <p:cNvSpPr txBox="1"/>
+          <p:nvPr>
+            <p:ph idx="1" type="body"/>
+          </p:nvPr>
+        </p:nvSpPr>
+        <p:spPr>
+          <a:xfrm>
+            <a:off x="685800" y="4343400"/>
+            <a:ext cx="5486400" cy="4114800"/>
+          </a:xfrm>
+          <a:prstGeom prst="rect">
+            <a:avLst/>
+          </a:prstGeom>
+        </p:spPr>
+        <p:txBody>
+          <a:bodyPr anchorCtr="0" anchor="t" bIns="91425" lIns="91425" spcFirstLastPara="1" rIns="91425" wrap="square" tIns="91425">
+            <a:noAutofit/>
+          </a:bodyPr>
+          <a:lstStyle/>
+          <a:p>
+            <a:pPr indent="0" lvl="0" marL="0" rtl="0" algn="l">
+              <a:spcBef>
+                <a:spcPts val="0"/>
+              </a:spcBef>
+              <a:spcAft>
+                <a:spcPts val="0"/>
+              </a:spcAft>
+              <a:buNone/>
+            </a:pPr>
+            <a:r>
+              <a:t/>
+            </a:r>
+            <a:endParaRPr/>
+          </a:p>
+        </p:txBody>
+      </p:sp>
+    </p:spTree>
+  </p:cSld>
+  <p:clrMapOvr>
+    <a:masterClrMapping/>
+  </p:clrMapOvr>
+</p:notes>
+</file>
+
+<file path=ppt/notesSlides/notesSlide14.xml><?xml version="1.0" encoding="utf-8"?>
+<p:notes xmlns:a="http://schemas.openxmlformats.org/drawingml/2006/main" xmlns:r="http://schemas.openxmlformats.org/officeDocument/2006/relationships" xmlns:mc="http://schemas.openxmlformats.org/markup-compatibility/2006" xmlns:mv="urn:schemas-microsoft-com:mac:vml" xmlns:p="http://schemas.openxmlformats.org/presentationml/2006/main" xmlns:c="http://schemas.openxmlformats.org/drawingml/2006/chart" xmlns:dgm="http://schemas.openxmlformats.org/drawingml/2006/diagram" xmlns:o="urn:schemas-microsoft-com:office:office" xmlns:v="urn:schemas-microsoft-com:vml" xmlns:pvml="urn:schemas-microsoft-com:office:powerpoint" xmlns:com="http://schemas.openxmlformats.org/drawingml/2006/compatibility" xmlns:p14="http://schemas.microsoft.com/office/powerpoint/2010/main" xmlns:p15="http://schemas.microsoft.com/office/powerpoint/2012/main" xmlns:ahyp="http://schemas.microsoft.com/office/drawing/2018/hyperlinkcolor" showMasterPhAnim="0" showMasterSp="0">
+  <p:cSld>
+    <p:spTree>
+      <p:nvGrpSpPr>
+        <p:cNvPr id="144" name="Shape 144"/>
+        <p:cNvGrpSpPr/>
+        <p:nvPr/>
+      </p:nvGrpSpPr>
+      <p:grpSpPr>
+        <a:xfrm>
+          <a:off x="0" y="0"/>
+          <a:ext cx="0" cy="0"/>
+          <a:chOff x="0" y="0"/>
+          <a:chExt cx="0" cy="0"/>
+        </a:xfrm>
+      </p:grpSpPr>
+      <p:sp>
+        <p:nvSpPr>
+          <p:cNvPr id="145" name="Google Shape;145;g21ee2b7a005_0_124:notes"/>
+          <p:cNvSpPr/>
+          <p:nvPr>
+            <p:ph idx="2" type="sldImg"/>
+          </p:nvPr>
+        </p:nvSpPr>
+        <p:spPr>
+          <a:xfrm>
+            <a:off x="381300" y="685800"/>
+            <a:ext cx="6096000" cy="3429000"/>
+          </a:xfrm>
+          <a:custGeom>
+            <a:rect b="b" l="l" r="r" t="t"/>
+            <a:pathLst>
+              <a:path extrusionOk="0" h="120000" w="120000">
+                <a:moveTo>
+                  <a:pt x="0" y="0"/>
+                </a:moveTo>
+                <a:lnTo>
+                  <a:pt x="120000" y="0"/>
+                </a:lnTo>
+                <a:lnTo>
+                  <a:pt x="120000" y="120000"/>
+                </a:lnTo>
+                <a:lnTo>
+                  <a:pt x="0" y="120000"/>
+                </a:lnTo>
+                <a:close/>
+              </a:path>
+            </a:pathLst>
+          </a:custGeom>
+        </p:spPr>
+      </p:sp>
+      <p:sp>
+        <p:nvSpPr>
+          <p:cNvPr id="146" name="Google Shape;146;g21ee2b7a005_0_124:notes"/>
+          <p:cNvSpPr txBox="1"/>
+          <p:nvPr>
+            <p:ph idx="1" type="body"/>
+          </p:nvPr>
+        </p:nvSpPr>
+        <p:spPr>
+          <a:xfrm>
+            <a:off x="685800" y="4343400"/>
+            <a:ext cx="5486400" cy="4114800"/>
+          </a:xfrm>
+          <a:prstGeom prst="rect">
+            <a:avLst/>
+          </a:prstGeom>
+        </p:spPr>
+        <p:txBody>
+          <a:bodyPr anchorCtr="0" anchor="t" bIns="91425" lIns="91425" spcFirstLastPara="1" rIns="91425" wrap="square" tIns="91425">
+            <a:noAutofit/>
+          </a:bodyPr>
+          <a:lstStyle/>
+          <a:p>
+            <a:pPr indent="0" lvl="0" marL="0" rtl="0" algn="l">
+              <a:spcBef>
+                <a:spcPts val="0"/>
+              </a:spcBef>
+              <a:spcAft>
+                <a:spcPts val="0"/>
+              </a:spcAft>
+              <a:buNone/>
+            </a:pPr>
+            <a:r>
+              <a:t/>
+            </a:r>
+            <a:endParaRPr/>
+          </a:p>
+        </p:txBody>
+      </p:sp>
+    </p:spTree>
+  </p:cSld>
+  <p:clrMapOvr>
+    <a:masterClrMapping/>
+  </p:clrMapOvr>
+</p:notes>
+</file>
+
+<file path=ppt/notesSlides/notesSlide15.xml><?xml version="1.0" encoding="utf-8"?>
+<p:notes xmlns:a="http://schemas.openxmlformats.org/drawingml/2006/main" xmlns:r="http://schemas.openxmlformats.org/officeDocument/2006/relationships" xmlns:mc="http://schemas.openxmlformats.org/markup-compatibility/2006" xmlns:mv="urn:schemas-microsoft-com:mac:vml" xmlns:p="http://schemas.openxmlformats.org/presentationml/2006/main" xmlns:c="http://schemas.openxmlformats.org/drawingml/2006/chart" xmlns:dgm="http://schemas.openxmlformats.org/drawingml/2006/diagram" xmlns:o="urn:schemas-microsoft-com:office:office" xmlns:v="urn:schemas-microsoft-com:vml" xmlns:pvml="urn:schemas-microsoft-com:office:powerpoint" xmlns:com="http://schemas.openxmlformats.org/drawingml/2006/compatibility" xmlns:p14="http://schemas.microsoft.com/office/powerpoint/2010/main" xmlns:p15="http://schemas.microsoft.com/office/powerpoint/2012/main" xmlns:ahyp="http://schemas.microsoft.com/office/drawing/2018/hyperlinkcolor" showMasterPhAnim="0" showMasterSp="0">
+  <p:cSld>
+    <p:spTree>
+      <p:nvGrpSpPr>
+        <p:cNvPr id="149" name="Shape 149"/>
+        <p:cNvGrpSpPr/>
+        <p:nvPr/>
+      </p:nvGrpSpPr>
+      <p:grpSpPr>
+        <a:xfrm>
+          <a:off x="0" y="0"/>
+          <a:ext cx="0" cy="0"/>
+          <a:chOff x="0" y="0"/>
+          <a:chExt cx="0" cy="0"/>
+        </a:xfrm>
+      </p:grpSpPr>
+      <p:sp>
+        <p:nvSpPr>
+          <p:cNvPr id="150" name="Google Shape;150;g21ee2b7a005_1_15:notes"/>
+          <p:cNvSpPr/>
+          <p:nvPr>
+            <p:ph idx="2" type="sldImg"/>
+          </p:nvPr>
+        </p:nvSpPr>
+        <p:spPr>
+          <a:xfrm>
+            <a:off x="381300" y="685800"/>
+            <a:ext cx="6096000" cy="3429000"/>
+          </a:xfrm>
+          <a:custGeom>
+            <a:rect b="b" l="l" r="r" t="t"/>
+            <a:pathLst>
+              <a:path extrusionOk="0" h="120000" w="120000">
+                <a:moveTo>
+                  <a:pt x="0" y="0"/>
+                </a:moveTo>
+                <a:lnTo>
+                  <a:pt x="120000" y="0"/>
+                </a:lnTo>
+                <a:lnTo>
+                  <a:pt x="120000" y="120000"/>
+                </a:lnTo>
+                <a:lnTo>
+                  <a:pt x="0" y="120000"/>
+                </a:lnTo>
+                <a:close/>
+              </a:path>
+            </a:pathLst>
+          </a:custGeom>
+        </p:spPr>
+      </p:sp>
+      <p:sp>
+        <p:nvSpPr>
+          <p:cNvPr id="151" name="Google Shape;151;g21ee2b7a005_1_15:notes"/>
           <p:cNvSpPr txBox="1"/>
           <p:nvPr>
             <p:ph idx="1" type="body"/>
@@ -1209,7 +1709,7 @@
   <p:cSld>
     <p:spTree>
       <p:nvGrpSpPr>
-        <p:cNvPr id="83" name="Shape 83"/>
+        <p:cNvPr id="84" name="Shape 84"/>
         <p:cNvGrpSpPr/>
         <p:nvPr/>
       </p:nvGrpSpPr>
@@ -1223,7 +1723,7 @@
       </p:grpSpPr>
       <p:sp>
         <p:nvSpPr>
-          <p:cNvPr id="84" name="Google Shape;84;g21ee2b7a005_0_135:notes"/>
+          <p:cNvPr id="85" name="Google Shape;85;g23c73736dcc_0_5:notes"/>
           <p:cNvSpPr/>
           <p:nvPr>
             <p:ph idx="2" type="sldImg"/>
@@ -1258,7 +1758,7 @@
       </p:sp>
       <p:sp>
         <p:nvSpPr>
-          <p:cNvPr id="85" name="Google Shape;85;g21ee2b7a005_0_135:notes"/>
+          <p:cNvPr id="86" name="Google Shape;86;g23c73736dcc_0_5:notes"/>
           <p:cNvSpPr txBox="1"/>
           <p:nvPr>
             <p:ph idx="1" type="body"/>
@@ -1308,7 +1808,7 @@
   <p:cSld>
     <p:spTree>
       <p:nvGrpSpPr>
-        <p:cNvPr id="89" name="Shape 89"/>
+        <p:cNvPr id="91" name="Shape 91"/>
         <p:cNvGrpSpPr/>
         <p:nvPr/>
       </p:nvGrpSpPr>
@@ -1322,7 +1822,7 @@
       </p:grpSpPr>
       <p:sp>
         <p:nvSpPr>
-          <p:cNvPr id="90" name="Google Shape;90;g21ee2b7a005_1_0:notes"/>
+          <p:cNvPr id="92" name="Google Shape;92;g21ee2b7a005_0_135:notes"/>
           <p:cNvSpPr/>
           <p:nvPr>
             <p:ph idx="2" type="sldImg"/>
@@ -1357,7 +1857,7 @@
       </p:sp>
       <p:sp>
         <p:nvSpPr>
-          <p:cNvPr id="91" name="Google Shape;91;g21ee2b7a005_1_0:notes"/>
+          <p:cNvPr id="93" name="Google Shape;93;g21ee2b7a005_0_135:notes"/>
           <p:cNvSpPr txBox="1"/>
           <p:nvPr>
             <p:ph idx="1" type="body"/>
@@ -1407,7 +1907,7 @@
   <p:cSld>
     <p:spTree>
       <p:nvGrpSpPr>
-        <p:cNvPr id="95" name="Shape 95"/>
+        <p:cNvPr id="100" name="Shape 100"/>
         <p:cNvGrpSpPr/>
         <p:nvPr/>
       </p:nvGrpSpPr>
@@ -1421,7 +1921,7 @@
       </p:grpSpPr>
       <p:sp>
         <p:nvSpPr>
-          <p:cNvPr id="96" name="Google Shape;96;g21ee2b7a005_1_5:notes"/>
+          <p:cNvPr id="101" name="Google Shape;101;g23c73736dcc_0_38:notes"/>
           <p:cNvSpPr/>
           <p:nvPr>
             <p:ph idx="2" type="sldImg"/>
@@ -1456,7 +1956,7 @@
       </p:sp>
       <p:sp>
         <p:nvSpPr>
-          <p:cNvPr id="97" name="Google Shape;97;g21ee2b7a005_1_5:notes"/>
+          <p:cNvPr id="102" name="Google Shape;102;g23c73736dcc_0_38:notes"/>
           <p:cNvSpPr txBox="1"/>
           <p:nvPr>
             <p:ph idx="1" type="body"/>
@@ -1506,7 +2006,7 @@
   <p:cSld>
     <p:spTree>
       <p:nvGrpSpPr>
-        <p:cNvPr id="101" name="Shape 101"/>
+        <p:cNvPr id="107" name="Shape 107"/>
         <p:cNvGrpSpPr/>
         <p:nvPr/>
       </p:nvGrpSpPr>
@@ -1520,7 +2020,7 @@
       </p:grpSpPr>
       <p:sp>
         <p:nvSpPr>
-          <p:cNvPr id="102" name="Google Shape;102;g21ee2b7a005_1_10:notes"/>
+          <p:cNvPr id="108" name="Google Shape;108;g23c73736dcc_0_10:notes"/>
           <p:cNvSpPr/>
           <p:nvPr>
             <p:ph idx="2" type="sldImg"/>
@@ -1555,7 +2055,7 @@
       </p:sp>
       <p:sp>
         <p:nvSpPr>
-          <p:cNvPr id="103" name="Google Shape;103;g21ee2b7a005_1_10:notes"/>
+          <p:cNvPr id="109" name="Google Shape;109;g23c73736dcc_0_10:notes"/>
           <p:cNvSpPr txBox="1"/>
           <p:nvPr>
             <p:ph idx="1" type="body"/>
@@ -1605,7 +2105,7 @@
   <p:cSld>
     <p:spTree>
       <p:nvGrpSpPr>
-        <p:cNvPr id="107" name="Shape 107"/>
+        <p:cNvPr id="114" name="Shape 114"/>
         <p:cNvGrpSpPr/>
         <p:nvPr/>
       </p:nvGrpSpPr>
@@ -1619,7 +2119,7 @@
       </p:grpSpPr>
       <p:sp>
         <p:nvSpPr>
-          <p:cNvPr id="108" name="Google Shape;108;g21ee2b7a005_0_124:notes"/>
+          <p:cNvPr id="115" name="Google Shape;115;g21ee2b7a005_1_0:notes"/>
           <p:cNvSpPr/>
           <p:nvPr>
             <p:ph idx="2" type="sldImg"/>
@@ -1654,7 +2154,7 @@
       </p:sp>
       <p:sp>
         <p:nvSpPr>
-          <p:cNvPr id="109" name="Google Shape;109;g21ee2b7a005_0_124:notes"/>
+          <p:cNvPr id="116" name="Google Shape;116;g21ee2b7a005_1_0:notes"/>
           <p:cNvSpPr txBox="1"/>
           <p:nvPr>
             <p:ph idx="1" type="body"/>
@@ -7164,7 +7664,7 @@
   <p:cSld>
     <p:spTree>
       <p:nvGrpSpPr>
-        <p:cNvPr id="115" name="Shape 115"/>
+        <p:cNvPr id="123" name="Shape 123"/>
         <p:cNvGrpSpPr/>
         <p:nvPr/>
       </p:nvGrpSpPr>
@@ -7178,7 +7678,501 @@
       </p:grpSpPr>
       <p:sp>
         <p:nvSpPr>
-          <p:cNvPr id="116" name="Google Shape;116;p22"/>
+          <p:cNvPr id="124" name="Google Shape;124;p22"/>
+          <p:cNvSpPr txBox="1"/>
+          <p:nvPr>
+            <p:ph type="title"/>
+          </p:nvPr>
+        </p:nvSpPr>
+        <p:spPr>
+          <a:xfrm>
+            <a:off x="387900" y="458025"/>
+            <a:ext cx="8368200" cy="686100"/>
+          </a:xfrm>
+          <a:prstGeom prst="rect">
+            <a:avLst/>
+          </a:prstGeom>
+        </p:spPr>
+        <p:txBody>
+          <a:bodyPr anchorCtr="0" anchor="b" bIns="91425" lIns="91425" spcFirstLastPara="1" rIns="91425" wrap="square" tIns="91425">
+            <a:normAutofit/>
+          </a:bodyPr>
+          <a:lstStyle/>
+          <a:p>
+            <a:pPr indent="0" lvl="0" marL="0" rtl="0" algn="l">
+              <a:spcBef>
+                <a:spcPts val="0"/>
+              </a:spcBef>
+              <a:spcAft>
+                <a:spcPts val="0"/>
+              </a:spcAft>
+              <a:buNone/>
+            </a:pPr>
+            <a:r>
+              <a:rPr lang="en"/>
+              <a:t>Principal Component Analysis</a:t>
+            </a:r>
+            <a:endParaRPr/>
+          </a:p>
+        </p:txBody>
+      </p:sp>
+      <p:pic>
+        <p:nvPicPr>
+          <p:cNvPr id="125" name="Google Shape;125;p22"/>
+          <p:cNvPicPr preferRelativeResize="0"/>
+          <p:nvPr/>
+        </p:nvPicPr>
+        <p:blipFill>
+          <a:blip r:embed="rId3">
+            <a:alphaModFix/>
+          </a:blip>
+          <a:stretch>
+            <a:fillRect/>
+          </a:stretch>
+        </p:blipFill>
+        <p:spPr>
+          <a:xfrm>
+            <a:off x="2181525" y="1277725"/>
+            <a:ext cx="5049475" cy="3694575"/>
+          </a:xfrm>
+          <a:prstGeom prst="rect">
+            <a:avLst/>
+          </a:prstGeom>
+          <a:noFill/>
+          <a:ln>
+            <a:noFill/>
+          </a:ln>
+        </p:spPr>
+      </p:pic>
+    </p:spTree>
+  </p:cSld>
+  <p:clrMapOvr>
+    <a:masterClrMapping/>
+  </p:clrMapOvr>
+</p:sld>
+</file>
+
+<file path=ppt/slides/slide11.xml><?xml version="1.0" encoding="utf-8"?>
+<p:sld xmlns:a="http://schemas.openxmlformats.org/drawingml/2006/main" xmlns:r="http://schemas.openxmlformats.org/officeDocument/2006/relationships" xmlns:mc="http://schemas.openxmlformats.org/markup-compatibility/2006" xmlns:mv="urn:schemas-microsoft-com:mac:vml" xmlns:p="http://schemas.openxmlformats.org/presentationml/2006/main" xmlns:c="http://schemas.openxmlformats.org/drawingml/2006/chart" xmlns:dgm="http://schemas.openxmlformats.org/drawingml/2006/diagram" xmlns:o="urn:schemas-microsoft-com:office:office" xmlns:v="urn:schemas-microsoft-com:vml" xmlns:pvml="urn:schemas-microsoft-com:office:powerpoint" xmlns:com="http://schemas.openxmlformats.org/drawingml/2006/compatibility" xmlns:p14="http://schemas.microsoft.com/office/powerpoint/2010/main" xmlns:p15="http://schemas.microsoft.com/office/powerpoint/2012/main" xmlns:ahyp="http://schemas.microsoft.com/office/drawing/2018/hyperlinkcolor">
+  <p:cSld>
+    <p:spTree>
+      <p:nvGrpSpPr>
+        <p:cNvPr id="129" name="Shape 129"/>
+        <p:cNvGrpSpPr/>
+        <p:nvPr/>
+      </p:nvGrpSpPr>
+      <p:grpSpPr>
+        <a:xfrm>
+          <a:off x="0" y="0"/>
+          <a:ext cx="0" cy="0"/>
+          <a:chOff x="0" y="0"/>
+          <a:chExt cx="0" cy="0"/>
+        </a:xfrm>
+      </p:grpSpPr>
+      <p:sp>
+        <p:nvSpPr>
+          <p:cNvPr id="130" name="Google Shape;130;p23"/>
+          <p:cNvSpPr txBox="1"/>
+          <p:nvPr>
+            <p:ph type="title"/>
+          </p:nvPr>
+        </p:nvSpPr>
+        <p:spPr>
+          <a:xfrm>
+            <a:off x="387900" y="458025"/>
+            <a:ext cx="8368200" cy="686100"/>
+          </a:xfrm>
+          <a:prstGeom prst="rect">
+            <a:avLst/>
+          </a:prstGeom>
+        </p:spPr>
+        <p:txBody>
+          <a:bodyPr anchorCtr="0" anchor="b" bIns="91425" lIns="91425" spcFirstLastPara="1" rIns="91425" wrap="square" tIns="91425">
+            <a:normAutofit/>
+          </a:bodyPr>
+          <a:lstStyle/>
+          <a:p>
+            <a:pPr indent="0" lvl="0" marL="0" rtl="0" algn="l">
+              <a:spcBef>
+                <a:spcPts val="0"/>
+              </a:spcBef>
+              <a:spcAft>
+                <a:spcPts val="0"/>
+              </a:spcAft>
+              <a:buNone/>
+            </a:pPr>
+            <a:r>
+              <a:rPr lang="en"/>
+              <a:t>Model Performance after PCA</a:t>
+            </a:r>
+            <a:endParaRPr/>
+          </a:p>
+        </p:txBody>
+      </p:sp>
+      <p:pic>
+        <p:nvPicPr>
+          <p:cNvPr id="131" name="Google Shape;131;p23"/>
+          <p:cNvPicPr preferRelativeResize="0"/>
+          <p:nvPr/>
+        </p:nvPicPr>
+        <p:blipFill>
+          <a:blip r:embed="rId3">
+            <a:alphaModFix/>
+          </a:blip>
+          <a:stretch>
+            <a:fillRect/>
+          </a:stretch>
+        </p:blipFill>
+        <p:spPr>
+          <a:xfrm>
+            <a:off x="141050" y="1782825"/>
+            <a:ext cx="8820100" cy="2334000"/>
+          </a:xfrm>
+          <a:prstGeom prst="rect">
+            <a:avLst/>
+          </a:prstGeom>
+          <a:noFill/>
+          <a:ln>
+            <a:noFill/>
+          </a:ln>
+        </p:spPr>
+      </p:pic>
+    </p:spTree>
+  </p:cSld>
+  <p:clrMapOvr>
+    <a:masterClrMapping/>
+  </p:clrMapOvr>
+</p:sld>
+</file>
+
+<file path=ppt/slides/slide12.xml><?xml version="1.0" encoding="utf-8"?>
+<p:sld xmlns:a="http://schemas.openxmlformats.org/drawingml/2006/main" xmlns:r="http://schemas.openxmlformats.org/officeDocument/2006/relationships" xmlns:mc="http://schemas.openxmlformats.org/markup-compatibility/2006" xmlns:mv="urn:schemas-microsoft-com:mac:vml" xmlns:p="http://schemas.openxmlformats.org/presentationml/2006/main" xmlns:c="http://schemas.openxmlformats.org/drawingml/2006/chart" xmlns:dgm="http://schemas.openxmlformats.org/drawingml/2006/diagram" xmlns:o="urn:schemas-microsoft-com:office:office" xmlns:v="urn:schemas-microsoft-com:vml" xmlns:pvml="urn:schemas-microsoft-com:office:powerpoint" xmlns:com="http://schemas.openxmlformats.org/drawingml/2006/compatibility" xmlns:p14="http://schemas.microsoft.com/office/powerpoint/2010/main" xmlns:p15="http://schemas.microsoft.com/office/powerpoint/2012/main" xmlns:ahyp="http://schemas.microsoft.com/office/drawing/2018/hyperlinkcolor">
+  <p:cSld>
+    <p:spTree>
+      <p:nvGrpSpPr>
+        <p:cNvPr id="135" name="Shape 135"/>
+        <p:cNvGrpSpPr/>
+        <p:nvPr/>
+      </p:nvGrpSpPr>
+      <p:grpSpPr>
+        <a:xfrm>
+          <a:off x="0" y="0"/>
+          <a:ext cx="0" cy="0"/>
+          <a:chOff x="0" y="0"/>
+          <a:chExt cx="0" cy="0"/>
+        </a:xfrm>
+      </p:grpSpPr>
+      <p:sp>
+        <p:nvSpPr>
+          <p:cNvPr id="136" name="Google Shape;136;p24"/>
+          <p:cNvSpPr txBox="1"/>
+          <p:nvPr>
+            <p:ph type="title"/>
+          </p:nvPr>
+        </p:nvSpPr>
+        <p:spPr>
+          <a:xfrm>
+            <a:off x="387900" y="458025"/>
+            <a:ext cx="8368200" cy="686100"/>
+          </a:xfrm>
+          <a:prstGeom prst="rect">
+            <a:avLst/>
+          </a:prstGeom>
+        </p:spPr>
+        <p:txBody>
+          <a:bodyPr anchorCtr="0" anchor="b" bIns="91425" lIns="91425" spcFirstLastPara="1" rIns="91425" wrap="square" tIns="91425">
+            <a:normAutofit/>
+          </a:bodyPr>
+          <a:lstStyle/>
+          <a:p>
+            <a:pPr indent="0" lvl="0" marL="0" rtl="0" algn="l">
+              <a:spcBef>
+                <a:spcPts val="0"/>
+              </a:spcBef>
+              <a:spcAft>
+                <a:spcPts val="0"/>
+              </a:spcAft>
+              <a:buNone/>
+            </a:pPr>
+            <a:r>
+              <a:rPr lang="en"/>
+              <a:t>K-Fold Cross Validation</a:t>
+            </a:r>
+            <a:endParaRPr/>
+          </a:p>
+        </p:txBody>
+      </p:sp>
+      <p:pic>
+        <p:nvPicPr>
+          <p:cNvPr id="137" name="Google Shape;137;p24"/>
+          <p:cNvPicPr preferRelativeResize="0"/>
+          <p:nvPr/>
+        </p:nvPicPr>
+        <p:blipFill>
+          <a:blip r:embed="rId3">
+            <a:alphaModFix/>
+          </a:blip>
+          <a:stretch>
+            <a:fillRect/>
+          </a:stretch>
+        </p:blipFill>
+        <p:spPr>
+          <a:xfrm>
+            <a:off x="1181100" y="1999800"/>
+            <a:ext cx="6162675" cy="1474675"/>
+          </a:xfrm>
+          <a:prstGeom prst="rect">
+            <a:avLst/>
+          </a:prstGeom>
+          <a:noFill/>
+          <a:ln>
+            <a:noFill/>
+          </a:ln>
+        </p:spPr>
+      </p:pic>
+    </p:spTree>
+  </p:cSld>
+  <p:clrMapOvr>
+    <a:masterClrMapping/>
+  </p:clrMapOvr>
+</p:sld>
+</file>
+
+<file path=ppt/slides/slide13.xml><?xml version="1.0" encoding="utf-8"?>
+<p:sld xmlns:a="http://schemas.openxmlformats.org/drawingml/2006/main" xmlns:r="http://schemas.openxmlformats.org/officeDocument/2006/relationships" xmlns:mc="http://schemas.openxmlformats.org/markup-compatibility/2006" xmlns:mv="urn:schemas-microsoft-com:mac:vml" xmlns:p="http://schemas.openxmlformats.org/presentationml/2006/main" xmlns:c="http://schemas.openxmlformats.org/drawingml/2006/chart" xmlns:dgm="http://schemas.openxmlformats.org/drawingml/2006/diagram" xmlns:o="urn:schemas-microsoft-com:office:office" xmlns:v="urn:schemas-microsoft-com:vml" xmlns:pvml="urn:schemas-microsoft-com:office:powerpoint" xmlns:com="http://schemas.openxmlformats.org/drawingml/2006/compatibility" xmlns:p14="http://schemas.microsoft.com/office/powerpoint/2010/main" xmlns:p15="http://schemas.microsoft.com/office/powerpoint/2012/main" xmlns:ahyp="http://schemas.microsoft.com/office/drawing/2018/hyperlinkcolor">
+  <p:cSld>
+    <p:spTree>
+      <p:nvGrpSpPr>
+        <p:cNvPr id="141" name="Shape 141"/>
+        <p:cNvGrpSpPr/>
+        <p:nvPr/>
+      </p:nvGrpSpPr>
+      <p:grpSpPr>
+        <a:xfrm>
+          <a:off x="0" y="0"/>
+          <a:ext cx="0" cy="0"/>
+          <a:chOff x="0" y="0"/>
+          <a:chExt cx="0" cy="0"/>
+        </a:xfrm>
+      </p:grpSpPr>
+      <p:sp>
+        <p:nvSpPr>
+          <p:cNvPr id="142" name="Google Shape;142;p25"/>
+          <p:cNvSpPr txBox="1"/>
+          <p:nvPr>
+            <p:ph type="title"/>
+          </p:nvPr>
+        </p:nvSpPr>
+        <p:spPr>
+          <a:xfrm>
+            <a:off x="387900" y="458025"/>
+            <a:ext cx="8368200" cy="686100"/>
+          </a:xfrm>
+          <a:prstGeom prst="rect">
+            <a:avLst/>
+          </a:prstGeom>
+        </p:spPr>
+        <p:txBody>
+          <a:bodyPr anchorCtr="0" anchor="b" bIns="91425" lIns="91425" spcFirstLastPara="1" rIns="91425" wrap="square" tIns="91425">
+            <a:normAutofit/>
+          </a:bodyPr>
+          <a:lstStyle/>
+          <a:p>
+            <a:pPr indent="0" lvl="0" marL="0" rtl="0" algn="l">
+              <a:spcBef>
+                <a:spcPts val="0"/>
+              </a:spcBef>
+              <a:spcAft>
+                <a:spcPts val="0"/>
+              </a:spcAft>
+              <a:buNone/>
+            </a:pPr>
+            <a:r>
+              <a:rPr lang="en"/>
+              <a:t>Conclusion</a:t>
+            </a:r>
+            <a:endParaRPr/>
+          </a:p>
+        </p:txBody>
+      </p:sp>
+      <p:sp>
+        <p:nvSpPr>
+          <p:cNvPr id="143" name="Google Shape;143;p25"/>
+          <p:cNvSpPr txBox="1"/>
+          <p:nvPr>
+            <p:ph idx="1" type="body"/>
+          </p:nvPr>
+        </p:nvSpPr>
+        <p:spPr>
+          <a:xfrm>
+            <a:off x="387900" y="1489824"/>
+            <a:ext cx="8368200" cy="3078900"/>
+          </a:xfrm>
+          <a:prstGeom prst="rect">
+            <a:avLst/>
+          </a:prstGeom>
+        </p:spPr>
+        <p:txBody>
+          <a:bodyPr anchorCtr="0" anchor="t" bIns="91425" lIns="91425" spcFirstLastPara="1" rIns="91425" wrap="square" tIns="91425">
+            <a:normAutofit/>
+          </a:bodyPr>
+          <a:lstStyle/>
+          <a:p>
+            <a:pPr indent="-342900" lvl="0" marL="457200" rtl="0" algn="l">
+              <a:spcBef>
+                <a:spcPts val="0"/>
+              </a:spcBef>
+              <a:spcAft>
+                <a:spcPts val="0"/>
+              </a:spcAft>
+              <a:buSzPts val="1800"/>
+              <a:buChar char="●"/>
+            </a:pPr>
+            <a:r>
+              <a:rPr lang="en"/>
+              <a:t>We successfully build </a:t>
+            </a:r>
+            <a:r>
+              <a:rPr lang="en"/>
+              <a:t>training classification models on the target variable </a:t>
+            </a:r>
+            <a:r>
+              <a:rPr i="1" lang="en" u="sng"/>
+              <a:t>‘RainTomorrow’</a:t>
+            </a:r>
+            <a:r>
+              <a:rPr lang="en"/>
+              <a:t> to predict next-day rain using the weather observations made on the current day.</a:t>
+            </a:r>
+            <a:endParaRPr/>
+          </a:p>
+          <a:p>
+            <a:pPr indent="-342900" lvl="0" marL="457200" rtl="0" algn="l">
+              <a:spcBef>
+                <a:spcPts val="0"/>
+              </a:spcBef>
+              <a:spcAft>
+                <a:spcPts val="0"/>
+              </a:spcAft>
+              <a:buSzPts val="1800"/>
+              <a:buChar char="●"/>
+            </a:pPr>
+            <a:r>
+              <a:rPr lang="en"/>
+              <a:t>Random Forest Classifier model gave the best F-1 score followed by MLP Classifier. </a:t>
+            </a:r>
+            <a:endParaRPr/>
+          </a:p>
+          <a:p>
+            <a:pPr indent="0" lvl="0" marL="0" rtl="0" algn="l">
+              <a:spcBef>
+                <a:spcPts val="1200"/>
+              </a:spcBef>
+              <a:spcAft>
+                <a:spcPts val="1200"/>
+              </a:spcAft>
+              <a:buNone/>
+            </a:pPr>
+            <a:r>
+              <a:t/>
+            </a:r>
+            <a:endParaRPr/>
+          </a:p>
+        </p:txBody>
+      </p:sp>
+    </p:spTree>
+  </p:cSld>
+  <p:clrMapOvr>
+    <a:masterClrMapping/>
+  </p:clrMapOvr>
+</p:sld>
+</file>
+
+<file path=ppt/slides/slide14.xml><?xml version="1.0" encoding="utf-8"?>
+<p:sld xmlns:a="http://schemas.openxmlformats.org/drawingml/2006/main" xmlns:r="http://schemas.openxmlformats.org/officeDocument/2006/relationships" xmlns:mc="http://schemas.openxmlformats.org/markup-compatibility/2006" xmlns:mv="urn:schemas-microsoft-com:mac:vml" xmlns:p="http://schemas.openxmlformats.org/presentationml/2006/main" xmlns:c="http://schemas.openxmlformats.org/drawingml/2006/chart" xmlns:dgm="http://schemas.openxmlformats.org/drawingml/2006/diagram" xmlns:o="urn:schemas-microsoft-com:office:office" xmlns:v="urn:schemas-microsoft-com:vml" xmlns:pvml="urn:schemas-microsoft-com:office:powerpoint" xmlns:com="http://schemas.openxmlformats.org/drawingml/2006/compatibility" xmlns:p14="http://schemas.microsoft.com/office/powerpoint/2010/main" xmlns:p15="http://schemas.microsoft.com/office/powerpoint/2012/main" xmlns:ahyp="http://schemas.microsoft.com/office/drawing/2018/hyperlinkcolor">
+  <p:cSld>
+    <p:spTree>
+      <p:nvGrpSpPr>
+        <p:cNvPr id="147" name="Shape 147"/>
+        <p:cNvGrpSpPr/>
+        <p:nvPr/>
+      </p:nvGrpSpPr>
+      <p:grpSpPr>
+        <a:xfrm>
+          <a:off x="0" y="0"/>
+          <a:ext cx="0" cy="0"/>
+          <a:chOff x="0" y="0"/>
+          <a:chExt cx="0" cy="0"/>
+        </a:xfrm>
+      </p:grpSpPr>
+      <p:sp>
+        <p:nvSpPr>
+          <p:cNvPr id="148" name="Google Shape;148;p26"/>
+          <p:cNvSpPr txBox="1"/>
+          <p:nvPr>
+            <p:ph type="title"/>
+          </p:nvPr>
+        </p:nvSpPr>
+        <p:spPr>
+          <a:xfrm>
+            <a:off x="387900" y="2228700"/>
+            <a:ext cx="8368200" cy="686100"/>
+          </a:xfrm>
+          <a:prstGeom prst="rect">
+            <a:avLst/>
+          </a:prstGeom>
+        </p:spPr>
+        <p:txBody>
+          <a:bodyPr anchorCtr="0" anchor="b" bIns="91425" lIns="91425" spcFirstLastPara="1" rIns="91425" wrap="square" tIns="91425">
+            <a:normAutofit/>
+          </a:bodyPr>
+          <a:lstStyle/>
+          <a:p>
+            <a:pPr indent="0" lvl="0" marL="0" rtl="0" algn="ctr">
+              <a:spcBef>
+                <a:spcPts val="0"/>
+              </a:spcBef>
+              <a:spcAft>
+                <a:spcPts val="0"/>
+              </a:spcAft>
+              <a:buNone/>
+            </a:pPr>
+            <a:r>
+              <a:rPr lang="en"/>
+              <a:t>Questions?</a:t>
+            </a:r>
+            <a:endParaRPr/>
+          </a:p>
+        </p:txBody>
+      </p:sp>
+    </p:spTree>
+  </p:cSld>
+  <p:clrMapOvr>
+    <a:masterClrMapping/>
+  </p:clrMapOvr>
+</p:sld>
+</file>
+
+<file path=ppt/slides/slide15.xml><?xml version="1.0" encoding="utf-8"?>
+<p:sld xmlns:a="http://schemas.openxmlformats.org/drawingml/2006/main" xmlns:r="http://schemas.openxmlformats.org/officeDocument/2006/relationships" xmlns:mc="http://schemas.openxmlformats.org/markup-compatibility/2006" xmlns:mv="urn:schemas-microsoft-com:mac:vml" xmlns:p="http://schemas.openxmlformats.org/presentationml/2006/main" xmlns:c="http://schemas.openxmlformats.org/drawingml/2006/chart" xmlns:dgm="http://schemas.openxmlformats.org/drawingml/2006/diagram" xmlns:o="urn:schemas-microsoft-com:office:office" xmlns:v="urn:schemas-microsoft-com:vml" xmlns:pvml="urn:schemas-microsoft-com:office:powerpoint" xmlns:com="http://schemas.openxmlformats.org/drawingml/2006/compatibility" xmlns:p14="http://schemas.microsoft.com/office/powerpoint/2010/main" xmlns:p15="http://schemas.microsoft.com/office/powerpoint/2012/main" xmlns:ahyp="http://schemas.microsoft.com/office/drawing/2018/hyperlinkcolor">
+  <p:cSld>
+    <p:spTree>
+      <p:nvGrpSpPr>
+        <p:cNvPr id="152" name="Shape 152"/>
+        <p:cNvGrpSpPr/>
+        <p:nvPr/>
+      </p:nvGrpSpPr>
+      <p:grpSpPr>
+        <a:xfrm>
+          <a:off x="0" y="0"/>
+          <a:ext cx="0" cy="0"/>
+          <a:chOff x="0" y="0"/>
+          <a:chExt cx="0" cy="0"/>
+        </a:xfrm>
+      </p:grpSpPr>
+      <p:sp>
+        <p:nvSpPr>
+          <p:cNvPr id="153" name="Google Shape;153;p27"/>
           <p:cNvSpPr txBox="1"/>
           <p:nvPr>
             <p:ph type="title"/>
@@ -7323,7 +8317,7 @@
             </a:r>
             <a:r>
               <a:rPr lang="en"/>
-              <a:t> using the observations made today.</a:t>
+              <a:t> using the weather observations made on the current day.</a:t>
             </a:r>
             <a:endParaRPr/>
           </a:p>
@@ -7413,7 +8407,7 @@
         </p:spPr>
         <p:txBody>
           <a:bodyPr anchorCtr="0" anchor="t" bIns="91425" lIns="91425" spcFirstLastPara="1" rIns="91425" wrap="square" tIns="91425">
-            <a:normAutofit/>
+            <a:normAutofit fontScale="85000" lnSpcReduction="20000"/>
           </a:bodyPr>
           <a:lstStyle/>
           <a:p>
@@ -7422,13 +8416,107 @@
                 <a:spcPts val="0"/>
               </a:spcBef>
               <a:spcAft>
-                <a:spcPts val="1200"/>
+                <a:spcPts val="0"/>
               </a:spcAft>
               <a:buNone/>
             </a:pPr>
             <a:r>
               <a:rPr lang="en"/>
               <a:t>Predicting whether it will rain tomorrow is important for multiple reasons such as safety, agriculture, business, and personal planning. It helps make daily decisions and reduce risk of failure due to unexpected rain.</a:t>
+            </a:r>
+            <a:endParaRPr/>
+          </a:p>
+          <a:p>
+            <a:pPr indent="0" lvl="0" marL="0" rtl="0" algn="l">
+              <a:spcBef>
+                <a:spcPts val="1200"/>
+              </a:spcBef>
+              <a:spcAft>
+                <a:spcPts val="0"/>
+              </a:spcAft>
+              <a:buNone/>
+            </a:pPr>
+            <a:r>
+              <a:rPr lang="en"/>
+              <a:t>Observations were drawn from numerous weather stations. The daily observations are available from Climate Data Online - Map search.</a:t>
+            </a:r>
+            <a:endParaRPr/>
+          </a:p>
+          <a:p>
+            <a:pPr indent="0" lvl="0" marL="0" rtl="0" algn="l">
+              <a:spcBef>
+                <a:spcPts val="1200"/>
+              </a:spcBef>
+              <a:spcAft>
+                <a:spcPts val="0"/>
+              </a:spcAft>
+              <a:buNone/>
+            </a:pPr>
+            <a:r>
+              <a:t/>
+            </a:r>
+            <a:endParaRPr sz="1250"/>
+          </a:p>
+          <a:p>
+            <a:pPr indent="0" lvl="0" marL="0" rtl="0" algn="l">
+              <a:spcBef>
+                <a:spcPts val="1200"/>
+              </a:spcBef>
+              <a:spcAft>
+                <a:spcPts val="0"/>
+              </a:spcAft>
+              <a:buNone/>
+            </a:pPr>
+            <a:r>
+              <a:rPr lang="en" sz="1250"/>
+              <a:t>An example of latest weather observations in Canberra: Canberra, Australian Capital Territory March 2023 Daily Weather Observations</a:t>
+            </a:r>
+            <a:endParaRPr sz="1250"/>
+          </a:p>
+          <a:p>
+            <a:pPr indent="0" lvl="0" marL="0" rtl="0" algn="l">
+              <a:spcBef>
+                <a:spcPts val="1200"/>
+              </a:spcBef>
+              <a:spcAft>
+                <a:spcPts val="0"/>
+              </a:spcAft>
+              <a:buNone/>
+            </a:pPr>
+            <a:r>
+              <a:rPr lang="en" sz="1250"/>
+              <a:t>Definitions adapted from http://www.bom.gov.au/climate/dwo/IDCJDW0000.shtml</a:t>
+            </a:r>
+            <a:endParaRPr sz="1250"/>
+          </a:p>
+          <a:p>
+            <a:pPr indent="0" lvl="0" marL="0" rtl="0" algn="l">
+              <a:spcBef>
+                <a:spcPts val="1200"/>
+              </a:spcBef>
+              <a:spcAft>
+                <a:spcPts val="0"/>
+              </a:spcAft>
+              <a:buNone/>
+            </a:pPr>
+            <a:r>
+              <a:rPr lang="en" sz="1250"/>
+              <a:t>Data source: http://www.bom.gov.au/climate/dwo/ and http://www.bom.gov.au/climate/data.</a:t>
+            </a:r>
+            <a:endParaRPr sz="1250"/>
+          </a:p>
+          <a:p>
+            <a:pPr indent="0" lvl="0" marL="0" rtl="0" algn="l">
+              <a:spcBef>
+                <a:spcPts val="1200"/>
+              </a:spcBef>
+              <a:spcAft>
+                <a:spcPts val="1200"/>
+              </a:spcAft>
+              <a:buNone/>
+            </a:pPr>
+            <a:r>
+              <a:t/>
             </a:r>
             <a:endParaRPr/>
           </a:p>
@@ -7602,6 +8690,34 @@
           </a:p>
         </p:txBody>
       </p:sp>
+      <p:pic>
+        <p:nvPicPr>
+          <p:cNvPr id="83" name="Google Shape;83;p16"/>
+          <p:cNvPicPr preferRelativeResize="0"/>
+          <p:nvPr/>
+        </p:nvPicPr>
+        <p:blipFill>
+          <a:blip r:embed="rId4">
+            <a:alphaModFix/>
+          </a:blip>
+          <a:stretch>
+            <a:fillRect/>
+          </a:stretch>
+        </p:blipFill>
+        <p:spPr>
+          <a:xfrm>
+            <a:off x="387900" y="3027800"/>
+            <a:ext cx="8368200" cy="1789525"/>
+          </a:xfrm>
+          <a:prstGeom prst="rect">
+            <a:avLst/>
+          </a:prstGeom>
+          <a:noFill/>
+          <a:ln>
+            <a:noFill/>
+          </a:ln>
+        </p:spPr>
+      </p:pic>
     </p:spTree>
   </p:cSld>
   <p:clrMapOvr>
@@ -7615,7 +8731,7 @@
   <p:cSld>
     <p:spTree>
       <p:nvGrpSpPr>
-        <p:cNvPr id="86" name="Shape 86"/>
+        <p:cNvPr id="87" name="Shape 87"/>
         <p:cNvGrpSpPr/>
         <p:nvPr/>
       </p:nvGrpSpPr>
@@ -7629,7 +8745,7 @@
       </p:grpSpPr>
       <p:sp>
         <p:nvSpPr>
-          <p:cNvPr id="87" name="Google Shape;87;p17"/>
+          <p:cNvPr id="88" name="Google Shape;88;p17"/>
           <p:cNvSpPr txBox="1"/>
           <p:nvPr>
             <p:ph type="title"/>
@@ -7660,7 +8776,8 @@
               <a:buNone/>
             </a:pPr>
             <a:r>
-              <a:t/>
+              <a:rPr lang="en"/>
+              <a:t>Missing Data</a:t>
             </a:r>
             <a:endParaRPr/>
           </a:p>
@@ -7668,7 +8785,7 @@
       </p:sp>
       <p:sp>
         <p:nvSpPr>
-          <p:cNvPr id="88" name="Google Shape;88;p17"/>
+          <p:cNvPr id="89" name="Google Shape;89;p17"/>
           <p:cNvSpPr txBox="1"/>
           <p:nvPr>
             <p:ph idx="1" type="body"/>
@@ -7676,8 +8793,8 @@
         </p:nvSpPr>
         <p:spPr>
           <a:xfrm>
-            <a:off x="387900" y="1489824"/>
-            <a:ext cx="8368200" cy="3078900"/>
+            <a:off x="6403525" y="1489825"/>
+            <a:ext cx="2352600" cy="3078900"/>
           </a:xfrm>
           <a:prstGeom prst="rect">
             <a:avLst/>
@@ -7694,17 +8811,88 @@
                 <a:spcPts val="0"/>
               </a:spcBef>
               <a:spcAft>
-                <a:spcPts val="1200"/>
+                <a:spcPts val="0"/>
               </a:spcAft>
               <a:buNone/>
             </a:pPr>
             <a:r>
-              <a:t/>
+              <a:rPr lang="en"/>
+              <a:t>Data Imputation</a:t>
             </a:r>
             <a:endParaRPr/>
           </a:p>
+          <a:p>
+            <a:pPr indent="-342900" lvl="0" marL="457200" rtl="0" algn="l">
+              <a:spcBef>
+                <a:spcPts val="1200"/>
+              </a:spcBef>
+              <a:spcAft>
+                <a:spcPts val="0"/>
+              </a:spcAft>
+              <a:buSzPts val="1800"/>
+              <a:buChar char="●"/>
+            </a:pPr>
+            <a:r>
+              <a:rPr lang="en"/>
+              <a:t>Numerical: </a:t>
+            </a:r>
+            <a:r>
+              <a:rPr lang="en" u="sng"/>
+              <a:t>mean</a:t>
+            </a:r>
+            <a:endParaRPr u="sng"/>
+          </a:p>
+          <a:p>
+            <a:pPr indent="-342900" lvl="0" marL="457200" rtl="0" algn="l">
+              <a:spcBef>
+                <a:spcPts val="0"/>
+              </a:spcBef>
+              <a:spcAft>
+                <a:spcPts val="0"/>
+              </a:spcAft>
+              <a:buSzPts val="1800"/>
+              <a:buChar char="●"/>
+            </a:pPr>
+            <a:r>
+              <a:rPr lang="en"/>
+              <a:t>Categorical: </a:t>
+            </a:r>
+            <a:r>
+              <a:rPr lang="en" u="sng"/>
+              <a:t>mode</a:t>
+            </a:r>
+            <a:endParaRPr u="sng"/>
+          </a:p>
         </p:txBody>
       </p:sp>
+      <p:pic>
+        <p:nvPicPr>
+          <p:cNvPr id="90" name="Google Shape;90;p17"/>
+          <p:cNvPicPr preferRelativeResize="0"/>
+          <p:nvPr/>
+        </p:nvPicPr>
+        <p:blipFill>
+          <a:blip r:embed="rId3">
+            <a:alphaModFix/>
+          </a:blip>
+          <a:stretch>
+            <a:fillRect/>
+          </a:stretch>
+        </p:blipFill>
+        <p:spPr>
+          <a:xfrm>
+            <a:off x="387900" y="1489825"/>
+            <a:ext cx="5902776" cy="3485375"/>
+          </a:xfrm>
+          <a:prstGeom prst="rect">
+            <a:avLst/>
+          </a:prstGeom>
+          <a:noFill/>
+          <a:ln>
+            <a:noFill/>
+          </a:ln>
+        </p:spPr>
+      </p:pic>
     </p:spTree>
   </p:cSld>
   <p:clrMapOvr>
@@ -7718,7 +8906,7 @@
   <p:cSld>
     <p:spTree>
       <p:nvGrpSpPr>
-        <p:cNvPr id="92" name="Shape 92"/>
+        <p:cNvPr id="94" name="Shape 94"/>
         <p:cNvGrpSpPr/>
         <p:nvPr/>
       </p:nvGrpSpPr>
@@ -7732,7 +8920,7 @@
       </p:grpSpPr>
       <p:sp>
         <p:nvSpPr>
-          <p:cNvPr id="93" name="Google Shape;93;p18"/>
+          <p:cNvPr id="95" name="Google Shape;95;p18"/>
           <p:cNvSpPr txBox="1"/>
           <p:nvPr>
             <p:ph type="title"/>
@@ -7763,7 +8951,104 @@
               <a:buNone/>
             </a:pPr>
             <a:r>
-              <a:t/>
+              <a:rPr lang="en"/>
+              <a:t>Feature Importance</a:t>
+            </a:r>
+            <a:endParaRPr/>
+          </a:p>
+        </p:txBody>
+      </p:sp>
+      <p:pic>
+        <p:nvPicPr>
+          <p:cNvPr id="96" name="Google Shape;96;p18"/>
+          <p:cNvPicPr preferRelativeResize="0"/>
+          <p:nvPr/>
+        </p:nvPicPr>
+        <p:blipFill>
+          <a:blip r:embed="rId3">
+            <a:alphaModFix/>
+          </a:blip>
+          <a:stretch>
+            <a:fillRect/>
+          </a:stretch>
+        </p:blipFill>
+        <p:spPr>
+          <a:xfrm>
+            <a:off x="152400" y="1794875"/>
+            <a:ext cx="3327749" cy="3196224"/>
+          </a:xfrm>
+          <a:prstGeom prst="rect">
+            <a:avLst/>
+          </a:prstGeom>
+          <a:noFill/>
+          <a:ln>
+            <a:noFill/>
+          </a:ln>
+        </p:spPr>
+      </p:pic>
+      <p:pic>
+        <p:nvPicPr>
+          <p:cNvPr id="97" name="Google Shape;97;p18"/>
+          <p:cNvPicPr preferRelativeResize="0"/>
+          <p:nvPr/>
+        </p:nvPicPr>
+        <p:blipFill>
+          <a:blip r:embed="rId4">
+            <a:alphaModFix/>
+          </a:blip>
+          <a:stretch>
+            <a:fillRect/>
+          </a:stretch>
+        </p:blipFill>
+        <p:spPr>
+          <a:xfrm>
+            <a:off x="3778900" y="1794875"/>
+            <a:ext cx="4977200" cy="1157675"/>
+          </a:xfrm>
+          <a:prstGeom prst="rect">
+            <a:avLst/>
+          </a:prstGeom>
+          <a:noFill/>
+          <a:ln>
+            <a:noFill/>
+          </a:ln>
+        </p:spPr>
+      </p:pic>
+      <p:sp>
+        <p:nvSpPr>
+          <p:cNvPr id="98" name="Google Shape;98;p18"/>
+          <p:cNvSpPr txBox="1"/>
+          <p:nvPr>
+            <p:ph idx="1" type="body"/>
+          </p:nvPr>
+        </p:nvSpPr>
+        <p:spPr>
+          <a:xfrm>
+            <a:off x="3629625" y="1296575"/>
+            <a:ext cx="2661000" cy="498300"/>
+          </a:xfrm>
+          <a:prstGeom prst="rect">
+            <a:avLst/>
+          </a:prstGeom>
+        </p:spPr>
+        <p:txBody>
+          <a:bodyPr anchorCtr="0" anchor="t" bIns="91425" lIns="91425" spcFirstLastPara="1" rIns="91425" wrap="square" tIns="91425">
+            <a:normAutofit fontScale="70000"/>
+          </a:bodyPr>
+          <a:lstStyle/>
+          <a:p>
+            <a:pPr indent="0" lvl="0" marL="0" rtl="0" algn="l">
+              <a:spcBef>
+                <a:spcPts val="0"/>
+              </a:spcBef>
+              <a:spcAft>
+                <a:spcPts val="1200"/>
+              </a:spcAft>
+              <a:buNone/>
+            </a:pPr>
+            <a:r>
+              <a:rPr lang="en"/>
+              <a:t>SelectKBest - Numerical Features</a:t>
             </a:r>
             <a:endParaRPr/>
           </a:p>
@@ -7771,7 +9056,7 @@
       </p:sp>
       <p:sp>
         <p:nvSpPr>
-          <p:cNvPr id="94" name="Google Shape;94;p18"/>
+          <p:cNvPr id="99" name="Google Shape;99;p18"/>
           <p:cNvSpPr txBox="1"/>
           <p:nvPr>
             <p:ph idx="1" type="body"/>
@@ -7779,8 +9064,8 @@
         </p:nvSpPr>
         <p:spPr>
           <a:xfrm>
-            <a:off x="387900" y="1489824"/>
-            <a:ext cx="8368200" cy="3078900"/>
+            <a:off x="152400" y="1296575"/>
+            <a:ext cx="2661000" cy="498300"/>
           </a:xfrm>
           <a:prstGeom prst="rect">
             <a:avLst/>
@@ -7788,7 +9073,7 @@
         </p:spPr>
         <p:txBody>
           <a:bodyPr anchorCtr="0" anchor="t" bIns="91425" lIns="91425" spcFirstLastPara="1" rIns="91425" wrap="square" tIns="91425">
-            <a:normAutofit/>
+            <a:normAutofit fontScale="70000"/>
           </a:bodyPr>
           <a:lstStyle/>
           <a:p>
@@ -7802,7 +9087,12 @@
               <a:buNone/>
             </a:pPr>
             <a:r>
-              <a:t/>
+              <a:rPr lang="en"/>
+              <a:t>F-regression - Categorical</a:t>
+            </a:r>
+            <a:r>
+              <a:rPr lang="en"/>
+              <a:t> Features</a:t>
             </a:r>
             <a:endParaRPr/>
           </a:p>
@@ -7821,7 +9111,7 @@
   <p:cSld>
     <p:spTree>
       <p:nvGrpSpPr>
-        <p:cNvPr id="98" name="Shape 98"/>
+        <p:cNvPr id="103" name="Shape 103"/>
         <p:cNvGrpSpPr/>
         <p:nvPr/>
       </p:nvGrpSpPr>
@@ -7835,7 +9125,7 @@
       </p:grpSpPr>
       <p:sp>
         <p:nvSpPr>
-          <p:cNvPr id="99" name="Google Shape;99;p19"/>
+          <p:cNvPr id="104" name="Google Shape;104;p19"/>
           <p:cNvSpPr txBox="1"/>
           <p:nvPr>
             <p:ph type="title"/>
@@ -7843,7 +9133,7 @@
         </p:nvSpPr>
         <p:spPr>
           <a:xfrm>
-            <a:off x="387900" y="458025"/>
+            <a:off x="387900" y="175925"/>
             <a:ext cx="8368200" cy="686100"/>
           </a:xfrm>
           <a:prstGeom prst="rect">
@@ -7866,51 +9156,69 @@
               <a:buNone/>
             </a:pPr>
             <a:r>
-              <a:t/>
+              <a:rPr lang="en"/>
+              <a:t>Data Distribution</a:t>
             </a:r>
             <a:endParaRPr/>
           </a:p>
         </p:txBody>
       </p:sp>
-      <p:sp>
-        <p:nvSpPr>
-          <p:cNvPr id="100" name="Google Shape;100;p19"/>
-          <p:cNvSpPr txBox="1"/>
-          <p:nvPr>
-            <p:ph idx="1" type="body"/>
-          </p:nvPr>
-        </p:nvSpPr>
-        <p:spPr>
-          <a:xfrm>
-            <a:off x="387900" y="1489824"/>
-            <a:ext cx="8368200" cy="3078900"/>
+      <p:pic>
+        <p:nvPicPr>
+          <p:cNvPr id="105" name="Google Shape;105;p19"/>
+          <p:cNvPicPr preferRelativeResize="0"/>
+          <p:nvPr/>
+        </p:nvPicPr>
+        <p:blipFill>
+          <a:blip r:embed="rId3">
+            <a:alphaModFix/>
+          </a:blip>
+          <a:stretch>
+            <a:fillRect/>
+          </a:stretch>
+        </p:blipFill>
+        <p:spPr>
+          <a:xfrm>
+            <a:off x="387900" y="996725"/>
+            <a:ext cx="3928125" cy="3986924"/>
           </a:xfrm>
           <a:prstGeom prst="rect">
             <a:avLst/>
           </a:prstGeom>
-        </p:spPr>
-        <p:txBody>
-          <a:bodyPr anchorCtr="0" anchor="t" bIns="91425" lIns="91425" spcFirstLastPara="1" rIns="91425" wrap="square" tIns="91425">
-            <a:normAutofit/>
-          </a:bodyPr>
-          <a:lstStyle/>
-          <a:p>
-            <a:pPr indent="0" lvl="0" marL="0" rtl="0" algn="l">
-              <a:spcBef>
-                <a:spcPts val="0"/>
-              </a:spcBef>
-              <a:spcAft>
-                <a:spcPts val="1200"/>
-              </a:spcAft>
-              <a:buNone/>
-            </a:pPr>
-            <a:r>
-              <a:t/>
-            </a:r>
-            <a:endParaRPr/>
-          </a:p>
-        </p:txBody>
-      </p:sp>
+          <a:noFill/>
+          <a:ln>
+            <a:noFill/>
+          </a:ln>
+        </p:spPr>
+      </p:pic>
+      <p:pic>
+        <p:nvPicPr>
+          <p:cNvPr id="106" name="Google Shape;106;p19"/>
+          <p:cNvPicPr preferRelativeResize="0"/>
+          <p:nvPr/>
+        </p:nvPicPr>
+        <p:blipFill>
+          <a:blip r:embed="rId4">
+            <a:alphaModFix/>
+          </a:blip>
+          <a:stretch>
+            <a:fillRect/>
+          </a:stretch>
+        </p:blipFill>
+        <p:spPr>
+          <a:xfrm>
+            <a:off x="4468425" y="1014425"/>
+            <a:ext cx="3976673" cy="3976673"/>
+          </a:xfrm>
+          <a:prstGeom prst="rect">
+            <a:avLst/>
+          </a:prstGeom>
+          <a:noFill/>
+          <a:ln>
+            <a:noFill/>
+          </a:ln>
+        </p:spPr>
+      </p:pic>
     </p:spTree>
   </p:cSld>
   <p:clrMapOvr>
@@ -7920,110 +9228,6 @@
 </file>
 
 <file path=ppt/slides/slide8.xml><?xml version="1.0" encoding="utf-8"?>
-<p:sld xmlns:a="http://schemas.openxmlformats.org/drawingml/2006/main" xmlns:r="http://schemas.openxmlformats.org/officeDocument/2006/relationships" xmlns:mc="http://schemas.openxmlformats.org/markup-compatibility/2006" xmlns:mv="urn:schemas-microsoft-com:mac:vml" xmlns:p="http://schemas.openxmlformats.org/presentationml/2006/main" xmlns:c="http://schemas.openxmlformats.org/drawingml/2006/chart" xmlns:dgm="http://schemas.openxmlformats.org/drawingml/2006/diagram" xmlns:o="urn:schemas-microsoft-com:office:office" xmlns:v="urn:schemas-microsoft-com:vml" xmlns:pvml="urn:schemas-microsoft-com:office:powerpoint" xmlns:com="http://schemas.openxmlformats.org/drawingml/2006/compatibility" xmlns:p14="http://schemas.microsoft.com/office/powerpoint/2010/main" xmlns:p15="http://schemas.microsoft.com/office/powerpoint/2012/main" xmlns:ahyp="http://schemas.microsoft.com/office/drawing/2018/hyperlinkcolor">
-  <p:cSld>
-    <p:spTree>
-      <p:nvGrpSpPr>
-        <p:cNvPr id="104" name="Shape 104"/>
-        <p:cNvGrpSpPr/>
-        <p:nvPr/>
-      </p:nvGrpSpPr>
-      <p:grpSpPr>
-        <a:xfrm>
-          <a:off x="0" y="0"/>
-          <a:ext cx="0" cy="0"/>
-          <a:chOff x="0" y="0"/>
-          <a:chExt cx="0" cy="0"/>
-        </a:xfrm>
-      </p:grpSpPr>
-      <p:sp>
-        <p:nvSpPr>
-          <p:cNvPr id="105" name="Google Shape;105;p20"/>
-          <p:cNvSpPr txBox="1"/>
-          <p:nvPr>
-            <p:ph type="title"/>
-          </p:nvPr>
-        </p:nvSpPr>
-        <p:spPr>
-          <a:xfrm>
-            <a:off x="387900" y="458025"/>
-            <a:ext cx="8368200" cy="686100"/>
-          </a:xfrm>
-          <a:prstGeom prst="rect">
-            <a:avLst/>
-          </a:prstGeom>
-        </p:spPr>
-        <p:txBody>
-          <a:bodyPr anchorCtr="0" anchor="b" bIns="91425" lIns="91425" spcFirstLastPara="1" rIns="91425" wrap="square" tIns="91425">
-            <a:normAutofit/>
-          </a:bodyPr>
-          <a:lstStyle/>
-          <a:p>
-            <a:pPr indent="0" lvl="0" marL="0" rtl="0" algn="l">
-              <a:spcBef>
-                <a:spcPts val="0"/>
-              </a:spcBef>
-              <a:spcAft>
-                <a:spcPts val="0"/>
-              </a:spcAft>
-              <a:buNone/>
-            </a:pPr>
-            <a:r>
-              <a:rPr lang="en"/>
-              <a:t>Conclusion</a:t>
-            </a:r>
-            <a:endParaRPr/>
-          </a:p>
-        </p:txBody>
-      </p:sp>
-      <p:sp>
-        <p:nvSpPr>
-          <p:cNvPr id="106" name="Google Shape;106;p20"/>
-          <p:cNvSpPr txBox="1"/>
-          <p:nvPr>
-            <p:ph idx="1" type="body"/>
-          </p:nvPr>
-        </p:nvSpPr>
-        <p:spPr>
-          <a:xfrm>
-            <a:off x="387900" y="1489824"/>
-            <a:ext cx="8368200" cy="3078900"/>
-          </a:xfrm>
-          <a:prstGeom prst="rect">
-            <a:avLst/>
-          </a:prstGeom>
-        </p:spPr>
-        <p:txBody>
-          <a:bodyPr anchorCtr="0" anchor="t" bIns="91425" lIns="91425" spcFirstLastPara="1" rIns="91425" wrap="square" tIns="91425">
-            <a:normAutofit/>
-          </a:bodyPr>
-          <a:lstStyle/>
-          <a:p>
-            <a:pPr indent="0" lvl="0" marL="0" rtl="0" algn="l">
-              <a:spcBef>
-                <a:spcPts val="0"/>
-              </a:spcBef>
-              <a:spcAft>
-                <a:spcPts val="1200"/>
-              </a:spcAft>
-              <a:buNone/>
-            </a:pPr>
-            <a:r>
-              <a:t/>
-            </a:r>
-            <a:endParaRPr/>
-          </a:p>
-        </p:txBody>
-      </p:sp>
-    </p:spTree>
-  </p:cSld>
-  <p:clrMapOvr>
-    <a:masterClrMapping/>
-  </p:clrMapOvr>
-</p:sld>
-</file>
-
-<file path=ppt/slides/slide9.xml><?xml version="1.0" encoding="utf-8"?>
 <p:sld xmlns:a="http://schemas.openxmlformats.org/drawingml/2006/main" xmlns:r="http://schemas.openxmlformats.org/officeDocument/2006/relationships" xmlns:mc="http://schemas.openxmlformats.org/markup-compatibility/2006" xmlns:mv="urn:schemas-microsoft-com:mac:vml" xmlns:p="http://schemas.openxmlformats.org/presentationml/2006/main" xmlns:c="http://schemas.openxmlformats.org/drawingml/2006/chart" xmlns:dgm="http://schemas.openxmlformats.org/drawingml/2006/diagram" xmlns:o="urn:schemas-microsoft-com:office:office" xmlns:v="urn:schemas-microsoft-com:vml" xmlns:pvml="urn:schemas-microsoft-com:office:powerpoint" xmlns:com="http://schemas.openxmlformats.org/drawingml/2006/compatibility" xmlns:p14="http://schemas.microsoft.com/office/powerpoint/2010/main" xmlns:p15="http://schemas.microsoft.com/office/powerpoint/2012/main" xmlns:ahyp="http://schemas.microsoft.com/office/drawing/2018/hyperlinkcolor">
   <p:cSld>
     <p:spTree>
@@ -8042,7 +9246,7 @@
       </p:grpSpPr>
       <p:sp>
         <p:nvSpPr>
-          <p:cNvPr id="111" name="Google Shape;111;p21"/>
+          <p:cNvPr id="111" name="Google Shape;111;p20"/>
           <p:cNvSpPr txBox="1"/>
           <p:nvPr>
             <p:ph type="title"/>
@@ -8050,7 +9254,7 @@
         </p:nvSpPr>
         <p:spPr>
           <a:xfrm>
-            <a:off x="387900" y="2228700"/>
+            <a:off x="387900" y="458025"/>
             <a:ext cx="8368200" cy="686100"/>
           </a:xfrm>
           <a:prstGeom prst="rect">
@@ -8063,7 +9267,7 @@
           </a:bodyPr>
           <a:lstStyle/>
           <a:p>
-            <a:pPr indent="0" lvl="0" marL="0" rtl="0" algn="ctr">
+            <a:pPr indent="0" lvl="0" marL="0" rtl="0" algn="l">
               <a:spcBef>
                 <a:spcPts val="0"/>
               </a:spcBef>
@@ -8074,12 +9278,161 @@
             </a:pPr>
             <a:r>
               <a:rPr lang="en"/>
-              <a:t>Questions?</a:t>
+              <a:t>Data Imbalance - SMOTE</a:t>
             </a:r>
             <a:endParaRPr/>
           </a:p>
         </p:txBody>
       </p:sp>
+      <p:pic>
+        <p:nvPicPr>
+          <p:cNvPr id="112" name="Google Shape;112;p20"/>
+          <p:cNvPicPr preferRelativeResize="0"/>
+          <p:nvPr/>
+        </p:nvPicPr>
+        <p:blipFill>
+          <a:blip r:embed="rId3">
+            <a:alphaModFix/>
+          </a:blip>
+          <a:stretch>
+            <a:fillRect/>
+          </a:stretch>
+        </p:blipFill>
+        <p:spPr>
+          <a:xfrm>
+            <a:off x="338500" y="1489825"/>
+            <a:ext cx="4146774" cy="3361675"/>
+          </a:xfrm>
+          <a:prstGeom prst="rect">
+            <a:avLst/>
+          </a:prstGeom>
+          <a:noFill/>
+          <a:ln>
+            <a:noFill/>
+          </a:ln>
+        </p:spPr>
+      </p:pic>
+      <p:pic>
+        <p:nvPicPr>
+          <p:cNvPr id="113" name="Google Shape;113;p20"/>
+          <p:cNvPicPr preferRelativeResize="0"/>
+          <p:nvPr/>
+        </p:nvPicPr>
+        <p:blipFill>
+          <a:blip r:embed="rId4">
+            <a:alphaModFix/>
+          </a:blip>
+          <a:stretch>
+            <a:fillRect/>
+          </a:stretch>
+        </p:blipFill>
+        <p:spPr>
+          <a:xfrm>
+            <a:off x="4637675" y="1489825"/>
+            <a:ext cx="4353925" cy="3361675"/>
+          </a:xfrm>
+          <a:prstGeom prst="rect">
+            <a:avLst/>
+          </a:prstGeom>
+          <a:noFill/>
+          <a:ln>
+            <a:noFill/>
+          </a:ln>
+        </p:spPr>
+      </p:pic>
+    </p:spTree>
+  </p:cSld>
+  <p:clrMapOvr>
+    <a:masterClrMapping/>
+  </p:clrMapOvr>
+</p:sld>
+</file>
+
+<file path=ppt/slides/slide9.xml><?xml version="1.0" encoding="utf-8"?>
+<p:sld xmlns:a="http://schemas.openxmlformats.org/drawingml/2006/main" xmlns:r="http://schemas.openxmlformats.org/officeDocument/2006/relationships" xmlns:mc="http://schemas.openxmlformats.org/markup-compatibility/2006" xmlns:mv="urn:schemas-microsoft-com:mac:vml" xmlns:p="http://schemas.openxmlformats.org/presentationml/2006/main" xmlns:c="http://schemas.openxmlformats.org/drawingml/2006/chart" xmlns:dgm="http://schemas.openxmlformats.org/drawingml/2006/diagram" xmlns:o="urn:schemas-microsoft-com:office:office" xmlns:v="urn:schemas-microsoft-com:vml" xmlns:pvml="urn:schemas-microsoft-com:office:powerpoint" xmlns:com="http://schemas.openxmlformats.org/drawingml/2006/compatibility" xmlns:p14="http://schemas.microsoft.com/office/powerpoint/2010/main" xmlns:p15="http://schemas.microsoft.com/office/powerpoint/2012/main" xmlns:ahyp="http://schemas.microsoft.com/office/drawing/2018/hyperlinkcolor">
+  <p:cSld>
+    <p:spTree>
+      <p:nvGrpSpPr>
+        <p:cNvPr id="117" name="Shape 117"/>
+        <p:cNvGrpSpPr/>
+        <p:nvPr/>
+      </p:nvGrpSpPr>
+      <p:grpSpPr>
+        <a:xfrm>
+          <a:off x="0" y="0"/>
+          <a:ext cx="0" cy="0"/>
+          <a:chOff x="0" y="0"/>
+          <a:chExt cx="0" cy="0"/>
+        </a:xfrm>
+      </p:grpSpPr>
+      <p:sp>
+        <p:nvSpPr>
+          <p:cNvPr id="118" name="Google Shape;118;p21"/>
+          <p:cNvSpPr txBox="1"/>
+          <p:nvPr>
+            <p:ph type="title"/>
+          </p:nvPr>
+        </p:nvSpPr>
+        <p:spPr>
+          <a:xfrm>
+            <a:off x="387900" y="458025"/>
+            <a:ext cx="8368200" cy="686100"/>
+          </a:xfrm>
+          <a:prstGeom prst="rect">
+            <a:avLst/>
+          </a:prstGeom>
+        </p:spPr>
+        <p:txBody>
+          <a:bodyPr anchorCtr="0" anchor="b" bIns="91425" lIns="91425" spcFirstLastPara="1" rIns="91425" wrap="square" tIns="91425">
+            <a:normAutofit/>
+          </a:bodyPr>
+          <a:lstStyle/>
+          <a:p>
+            <a:pPr indent="0" lvl="0" marL="0" rtl="0" algn="l">
+              <a:spcBef>
+                <a:spcPts val="0"/>
+              </a:spcBef>
+              <a:spcAft>
+                <a:spcPts val="0"/>
+              </a:spcAft>
+              <a:buNone/>
+            </a:pPr>
+            <a:r>
+              <a:rPr lang="en"/>
+              <a:t>Model Performance</a:t>
+            </a:r>
+            <a:endParaRPr/>
+          </a:p>
+        </p:txBody>
+      </p:sp>
+      <p:pic>
+        <p:nvPicPr>
+          <p:cNvPr id="119" name="Google Shape;119;p21"/>
+          <p:cNvPicPr preferRelativeResize="0"/>
+          <p:nvPr/>
+        </p:nvPicPr>
+        <p:blipFill>
+          <a:blip r:embed="rId3">
+            <a:alphaModFix/>
+          </a:blip>
+          <a:stretch>
+            <a:fillRect/>
+          </a:stretch>
+        </p:blipFill>
+        <p:spPr>
+          <a:xfrm>
+            <a:off x="152400" y="1813700"/>
+            <a:ext cx="8839202" cy="2256210"/>
+          </a:xfrm>
+          <a:prstGeom prst="rect">
+            <a:avLst/>
+          </a:prstGeom>
+          <a:noFill/>
+          <a:ln>
+            <a:noFill/>
+          </a:ln>
+        </p:spPr>
+      </p:pic>
     </p:spTree>
   </p:cSld>
   <p:clrMapOvr>
@@ -8089,6 +9442,285 @@
 </file>
 
 <file path=ppt/theme/theme1.xml><?xml version="1.0" encoding="utf-8"?>
+<a:theme xmlns:a="http://schemas.openxmlformats.org/drawingml/2006/main" xmlns:r="http://schemas.openxmlformats.org/officeDocument/2006/relationships">
+  <a:themeElements>
+    <a:clrScheme name="Default">
+      <a:dk1>
+        <a:srgbClr val="000000"/>
+      </a:dk1>
+      <a:lt1>
+        <a:srgbClr val="FFFFFF"/>
+      </a:lt1>
+      <a:dk2>
+        <a:srgbClr val="158158"/>
+      </a:dk2>
+      <a:lt2>
+        <a:srgbClr val="F3F3F3"/>
+      </a:lt2>
+      <a:accent1>
+        <a:srgbClr val="058DC7"/>
+      </a:accent1>
+      <a:accent2>
+        <a:srgbClr val="50B432"/>
+      </a:accent2>
+      <a:accent3>
+        <a:srgbClr val="ED561B"/>
+      </a:accent3>
+      <a:accent4>
+        <a:srgbClr val="EDEF00"/>
+      </a:accent4>
+      <a:accent5>
+        <a:srgbClr val="24CBE5"/>
+      </a:accent5>
+      <a:accent6>
+        <a:srgbClr val="64E572"/>
+      </a:accent6>
+      <a:hlink>
+        <a:srgbClr val="2200CC"/>
+      </a:hlink>
+      <a:folHlink>
+        <a:srgbClr val="551A8B"/>
+      </a:folHlink>
+    </a:clrScheme>
+    <a:fontScheme name="Office">
+      <a:majorFont>
+        <a:latin typeface="Arial"/>
+        <a:ea typeface=""/>
+        <a:cs typeface=""/>
+        <a:font script="Jpan" typeface="ＭＳ Ｐゴシック"/>
+        <a:font script="Hang" typeface="맑은 고딕"/>
+        <a:font script="Hans" typeface="宋体"/>
+        <a:font script="Hant" typeface="新細明體"/>
+        <a:font script="Arab" typeface="Times New Roman"/>
+        <a:font script="Hebr" typeface="Times New Roman"/>
+        <a:font script="Thai" typeface="Angsana New"/>
+        <a:font script="Ethi" typeface="Nyala"/>
+        <a:font script="Beng" typeface="Vrinda"/>
+        <a:font script="Gujr" typeface="Shruti"/>
+        <a:font script="Khmr" typeface="MoolBoran"/>
+        <a:font script="Knda" typeface="Tunga"/>
+        <a:font script="Guru" typeface="Raavi"/>
+        <a:font script="Cans" typeface="Euphemia"/>
+        <a:font script="Cher" typeface="Plantagenet Cherokee"/>
+        <a:font script="Yiii" typeface="Microsoft Yi Baiti"/>
+        <a:font script="Tibt" typeface="Microsoft Himalaya"/>
+        <a:font script="Thaa" typeface="MV Boli"/>
+        <a:font script="Deva" typeface="Mangal"/>
+        <a:font script="Telu" typeface="Gautami"/>
+        <a:font script="Taml" typeface="Latha"/>
+        <a:font script="Syrc" typeface="Estrangelo Edessa"/>
+        <a:font script="Orya" typeface="Kalinga"/>
+        <a:font script="Mlym" typeface="Kartika"/>
+        <a:font script="Laoo" typeface="DokChampa"/>
+        <a:font script="Sinh" typeface="Iskoola Pota"/>
+        <a:font script="Mong" typeface="Mongolian Baiti"/>
+        <a:font script="Viet" typeface="Times New Roman"/>
+        <a:font script="Uigh" typeface="Microsoft Uighur"/>
+        <a:font script="Geor" typeface="Sylfaen"/>
+      </a:majorFont>
+      <a:minorFont>
+        <a:latin typeface="Arial"/>
+        <a:ea typeface=""/>
+        <a:cs typeface=""/>
+        <a:font script="Jpan" typeface="ＭＳ Ｐゴシック"/>
+        <a:font script="Hang" typeface="맑은 고딕"/>
+        <a:font script="Hans" typeface="宋体"/>
+        <a:font script="Hant" typeface="新細明體"/>
+        <a:font script="Arab" typeface="Arial"/>
+        <a:font script="Hebr" typeface="Arial"/>
+        <a:font script="Thai" typeface="Cordia New"/>
+        <a:font script="Ethi" typeface="Nyala"/>
+        <a:font script="Beng" typeface="Vrinda"/>
+        <a:font script="Gujr" typeface="Shruti"/>
+        <a:font script="Khmr" typeface="DaunPenh"/>
+        <a:font script="Knda" typeface="Tunga"/>
+        <a:font script="Guru" typeface="Raavi"/>
+        <a:font script="Cans" typeface="Euphemia"/>
+        <a:font script="Cher" typeface="Plantagenet Cherokee"/>
+        <a:font script="Yiii" typeface="Microsoft Yi Baiti"/>
+        <a:font script="Tibt" typeface="Microsoft Himalaya"/>
+        <a:font script="Thaa" typeface="MV Boli"/>
+        <a:font script="Deva" typeface="Mangal"/>
+        <a:font script="Telu" typeface="Gautami"/>
+        <a:font script="Taml" typeface="Latha"/>
+        <a:font script="Syrc" typeface="Estrangelo Edessa"/>
+        <a:font script="Orya" typeface="Kalinga"/>
+        <a:font script="Mlym" typeface="Kartika"/>
+        <a:font script="Laoo" typeface="DokChampa"/>
+        <a:font script="Sinh" typeface="Iskoola Pota"/>
+        <a:font script="Mong" typeface="Mongolian Baiti"/>
+        <a:font script="Viet" typeface="Arial"/>
+        <a:font script="Uigh" typeface="Microsoft Uighur"/>
+        <a:font script="Geor" typeface="Sylfaen"/>
+      </a:minorFont>
+    </a:fontScheme>
+    <a:fmtScheme name="Office">
+      <a:fillStyleLst>
+        <a:solidFill>
+          <a:schemeClr val="phClr"/>
+        </a:solidFill>
+        <a:gradFill rotWithShape="1">
+          <a:gsLst>
+            <a:gs pos="0">
+              <a:schemeClr val="phClr">
+                <a:tint val="50000"/>
+                <a:satMod val="300000"/>
+              </a:schemeClr>
+            </a:gs>
+            <a:gs pos="35000">
+              <a:schemeClr val="phClr">
+                <a:tint val="37000"/>
+                <a:satMod val="300000"/>
+              </a:schemeClr>
+            </a:gs>
+            <a:gs pos="100000">
+              <a:schemeClr val="phClr">
+                <a:tint val="15000"/>
+                <a:satMod val="350000"/>
+              </a:schemeClr>
+            </a:gs>
+          </a:gsLst>
+          <a:lin ang="16200000" scaled="1"/>
+        </a:gradFill>
+        <a:gradFill rotWithShape="1">
+          <a:gsLst>
+            <a:gs pos="0">
+              <a:schemeClr val="phClr">
+                <a:tint val="100000"/>
+                <a:shade val="100000"/>
+                <a:satMod val="130000"/>
+              </a:schemeClr>
+            </a:gs>
+            <a:gs pos="100000">
+              <a:schemeClr val="phClr">
+                <a:tint val="50000"/>
+                <a:shade val="100000"/>
+                <a:satMod val="350000"/>
+              </a:schemeClr>
+            </a:gs>
+          </a:gsLst>
+          <a:lin ang="16200000" scaled="0"/>
+        </a:gradFill>
+      </a:fillStyleLst>
+      <a:lnStyleLst>
+        <a:ln w="9525" cap="flat" cmpd="sng" algn="ctr">
+          <a:solidFill>
+            <a:schemeClr val="phClr">
+              <a:shade val="95000"/>
+              <a:satMod val="105000"/>
+            </a:schemeClr>
+          </a:solidFill>
+          <a:prstDash val="solid"/>
+        </a:ln>
+        <a:ln w="25400" cap="flat" cmpd="sng" algn="ctr">
+          <a:solidFill>
+            <a:schemeClr val="phClr"/>
+          </a:solidFill>
+          <a:prstDash val="solid"/>
+        </a:ln>
+        <a:ln w="38100" cap="flat" cmpd="sng" algn="ctr">
+          <a:solidFill>
+            <a:schemeClr val="phClr"/>
+          </a:solidFill>
+          <a:prstDash val="solid"/>
+        </a:ln>
+      </a:lnStyleLst>
+      <a:effectStyleLst>
+        <a:effectStyle>
+          <a:effectLst>
+            <a:outerShdw blurRad="40000" dist="20000" dir="5400000" rotWithShape="0">
+              <a:srgbClr val="000000">
+                <a:alpha val="38000"/>
+              </a:srgbClr>
+            </a:outerShdw>
+          </a:effectLst>
+        </a:effectStyle>
+        <a:effectStyle>
+          <a:effectLst>
+            <a:outerShdw blurRad="40000" dist="23000" dir="5400000" rotWithShape="0">
+              <a:srgbClr val="000000">
+                <a:alpha val="35000"/>
+              </a:srgbClr>
+            </a:outerShdw>
+          </a:effectLst>
+        </a:effectStyle>
+        <a:effectStyle>
+          <a:effectLst>
+            <a:outerShdw blurRad="40000" dist="23000" dir="5400000" rotWithShape="0">
+              <a:srgbClr val="000000">
+                <a:alpha val="35000"/>
+              </a:srgbClr>
+            </a:outerShdw>
+          </a:effectLst>
+          <a:scene3d>
+            <a:camera prst="orthographicFront">
+              <a:rot lat="0" lon="0" rev="0"/>
+            </a:camera>
+            <a:lightRig rig="threePt" dir="t">
+              <a:rot lat="0" lon="0" rev="1200000"/>
+            </a:lightRig>
+          </a:scene3d>
+          <a:sp3d>
+            <a:bevelT w="63500" h="25400"/>
+          </a:sp3d>
+        </a:effectStyle>
+      </a:effectStyleLst>
+      <a:bgFillStyleLst>
+        <a:solidFill>
+          <a:schemeClr val="phClr"/>
+        </a:solidFill>
+        <a:gradFill rotWithShape="1">
+          <a:gsLst>
+            <a:gs pos="0">
+              <a:schemeClr val="phClr">
+                <a:tint val="40000"/>
+                <a:satMod val="350000"/>
+              </a:schemeClr>
+            </a:gs>
+            <a:gs pos="40000">
+              <a:schemeClr val="phClr">
+                <a:tint val="45000"/>
+                <a:shade val="99000"/>
+                <a:satMod val="350000"/>
+              </a:schemeClr>
+            </a:gs>
+            <a:gs pos="100000">
+              <a:schemeClr val="phClr">
+                <a:shade val="20000"/>
+                <a:satMod val="255000"/>
+              </a:schemeClr>
+            </a:gs>
+          </a:gsLst>
+          <a:path path="circle">
+            <a:fillToRect l="50000" t="-80000" r="50000" b="180000"/>
+          </a:path>
+        </a:gradFill>
+        <a:gradFill rotWithShape="1">
+          <a:gsLst>
+            <a:gs pos="0">
+              <a:schemeClr val="phClr">
+                <a:tint val="80000"/>
+                <a:satMod val="300000"/>
+              </a:schemeClr>
+            </a:gs>
+            <a:gs pos="100000">
+              <a:schemeClr val="phClr">
+                <a:shade val="30000"/>
+                <a:satMod val="200000"/>
+              </a:schemeClr>
+            </a:gs>
+          </a:gsLst>
+          <a:path path="circle">
+            <a:fillToRect l="50000" t="50000" r="50000" b="50000"/>
+          </a:path>
+        </a:gradFill>
+      </a:bgFillStyleLst>
+    </a:fmtScheme>
+  </a:themeElements>
+</a:theme>
+</file>
+
+<file path=ppt/theme/theme2.xml><?xml version="1.0" encoding="utf-8"?>
 <a:theme xmlns:a="http://schemas.openxmlformats.org/drawingml/2006/main" xmlns:r="http://schemas.openxmlformats.org/officeDocument/2006/relationships" name="Marina">
   <a:themeElements>
     <a:clrScheme name="Marina">
@@ -8365,283 +9997,4 @@
     </a:fmtScheme>
   </a:themeElements>
 </a:theme>
-</file>
-
-<file path=ppt/theme/theme2.xml><?xml version="1.0" encoding="utf-8"?>
-<a:theme xmlns:a="http://schemas.openxmlformats.org/drawingml/2006/main" xmlns:r="http://schemas.openxmlformats.org/officeDocument/2006/relationships">
-  <a:themeElements>
-    <a:clrScheme name="Default">
-      <a:dk1>
-        <a:srgbClr val="000000"/>
-      </a:dk1>
-      <a:lt1>
-        <a:srgbClr val="FFFFFF"/>
-      </a:lt1>
-      <a:dk2>
-        <a:srgbClr val="158158"/>
-      </a:dk2>
-      <a:lt2>
-        <a:srgbClr val="F3F3F3"/>
-      </a:lt2>
-      <a:accent1>
-        <a:srgbClr val="058DC7"/>
-      </a:accent1>
-      <a:accent2>
-        <a:srgbClr val="50B432"/>
-      </a:accent2>
-      <a:accent3>
-        <a:srgbClr val="ED561B"/>
-      </a:accent3>
-      <a:accent4>
-        <a:srgbClr val="EDEF00"/>
-      </a:accent4>
-      <a:accent5>
-        <a:srgbClr val="24CBE5"/>
-      </a:accent5>
-      <a:accent6>
-        <a:srgbClr val="64E572"/>
-      </a:accent6>
-      <a:hlink>
-        <a:srgbClr val="2200CC"/>
-      </a:hlink>
-      <a:folHlink>
-        <a:srgbClr val="551A8B"/>
-      </a:folHlink>
-    </a:clrScheme>
-    <a:fontScheme name="Office">
-      <a:majorFont>
-        <a:latin typeface="Arial"/>
-        <a:ea typeface=""/>
-        <a:cs typeface=""/>
-        <a:font script="Jpan" typeface="ＭＳ Ｐゴシック"/>
-        <a:font script="Hang" typeface="맑은 고딕"/>
-        <a:font script="Hans" typeface="宋体"/>
-        <a:font script="Hant" typeface="新細明體"/>
-        <a:font script="Arab" typeface="Times New Roman"/>
-        <a:font script="Hebr" typeface="Times New Roman"/>
-        <a:font script="Thai" typeface="Angsana New"/>
-        <a:font script="Ethi" typeface="Nyala"/>
-        <a:font script="Beng" typeface="Vrinda"/>
-        <a:font script="Gujr" typeface="Shruti"/>
-        <a:font script="Khmr" typeface="MoolBoran"/>
-        <a:font script="Knda" typeface="Tunga"/>
-        <a:font script="Guru" typeface="Raavi"/>
-        <a:font script="Cans" typeface="Euphemia"/>
-        <a:font script="Cher" typeface="Plantagenet Cherokee"/>
-        <a:font script="Yiii" typeface="Microsoft Yi Baiti"/>
-        <a:font script="Tibt" typeface="Microsoft Himalaya"/>
-        <a:font script="Thaa" typeface="MV Boli"/>
-        <a:font script="Deva" typeface="Mangal"/>
-        <a:font script="Telu" typeface="Gautami"/>
-        <a:font script="Taml" typeface="Latha"/>
-        <a:font script="Syrc" typeface="Estrangelo Edessa"/>
-        <a:font script="Orya" typeface="Kalinga"/>
-        <a:font script="Mlym" typeface="Kartika"/>
-        <a:font script="Laoo" typeface="DokChampa"/>
-        <a:font script="Sinh" typeface="Iskoola Pota"/>
-        <a:font script="Mong" typeface="Mongolian Baiti"/>
-        <a:font script="Viet" typeface="Times New Roman"/>
-        <a:font script="Uigh" typeface="Microsoft Uighur"/>
-        <a:font script="Geor" typeface="Sylfaen"/>
-      </a:majorFont>
-      <a:minorFont>
-        <a:latin typeface="Arial"/>
-        <a:ea typeface=""/>
-        <a:cs typeface=""/>
-        <a:font script="Jpan" typeface="ＭＳ Ｐゴシック"/>
-        <a:font script="Hang" typeface="맑은 고딕"/>
-        <a:font script="Hans" typeface="宋体"/>
-        <a:font script="Hant" typeface="新細明體"/>
-        <a:font script="Arab" typeface="Arial"/>
-        <a:font script="Hebr" typeface="Arial"/>
-        <a:font script="Thai" typeface="Cordia New"/>
-        <a:font script="Ethi" typeface="Nyala"/>
-        <a:font script="Beng" typeface="Vrinda"/>
-        <a:font script="Gujr" typeface="Shruti"/>
-        <a:font script="Khmr" typeface="DaunPenh"/>
-        <a:font script="Knda" typeface="Tunga"/>
-        <a:font script="Guru" typeface="Raavi"/>
-        <a:font script="Cans" typeface="Euphemia"/>
-        <a:font script="Cher" typeface="Plantagenet Cherokee"/>
-        <a:font script="Yiii" typeface="Microsoft Yi Baiti"/>
-        <a:font script="Tibt" typeface="Microsoft Himalaya"/>
-        <a:font script="Thaa" typeface="MV Boli"/>
-        <a:font script="Deva" typeface="Mangal"/>
-        <a:font script="Telu" typeface="Gautami"/>
-        <a:font script="Taml" typeface="Latha"/>
-        <a:font script="Syrc" typeface="Estrangelo Edessa"/>
-        <a:font script="Orya" typeface="Kalinga"/>
-        <a:font script="Mlym" typeface="Kartika"/>
-        <a:font script="Laoo" typeface="DokChampa"/>
-        <a:font script="Sinh" typeface="Iskoola Pota"/>
-        <a:font script="Mong" typeface="Mongolian Baiti"/>
-        <a:font script="Viet" typeface="Arial"/>
-        <a:font script="Uigh" typeface="Microsoft Uighur"/>
-        <a:font script="Geor" typeface="Sylfaen"/>
-      </a:minorFont>
-    </a:fontScheme>
-    <a:fmtScheme name="Office">
-      <a:fillStyleLst>
-        <a:solidFill>
-          <a:schemeClr val="phClr"/>
-        </a:solidFill>
-        <a:gradFill rotWithShape="1">
-          <a:gsLst>
-            <a:gs pos="0">
-              <a:schemeClr val="phClr">
-                <a:tint val="50000"/>
-                <a:satMod val="300000"/>
-              </a:schemeClr>
-            </a:gs>
-            <a:gs pos="35000">
-              <a:schemeClr val="phClr">
-                <a:tint val="37000"/>
-                <a:satMod val="300000"/>
-              </a:schemeClr>
-            </a:gs>
-            <a:gs pos="100000">
-              <a:schemeClr val="phClr">
-                <a:tint val="15000"/>
-                <a:satMod val="350000"/>
-              </a:schemeClr>
-            </a:gs>
-          </a:gsLst>
-          <a:lin ang="16200000" scaled="1"/>
-        </a:gradFill>
-        <a:gradFill rotWithShape="1">
-          <a:gsLst>
-            <a:gs pos="0">
-              <a:schemeClr val="phClr">
-                <a:tint val="100000"/>
-                <a:shade val="100000"/>
-                <a:satMod val="130000"/>
-              </a:schemeClr>
-            </a:gs>
-            <a:gs pos="100000">
-              <a:schemeClr val="phClr">
-                <a:tint val="50000"/>
-                <a:shade val="100000"/>
-                <a:satMod val="350000"/>
-              </a:schemeClr>
-            </a:gs>
-          </a:gsLst>
-          <a:lin ang="16200000" scaled="0"/>
-        </a:gradFill>
-      </a:fillStyleLst>
-      <a:lnStyleLst>
-        <a:ln w="9525" cap="flat" cmpd="sng" algn="ctr">
-          <a:solidFill>
-            <a:schemeClr val="phClr">
-              <a:shade val="95000"/>
-              <a:satMod val="105000"/>
-            </a:schemeClr>
-          </a:solidFill>
-          <a:prstDash val="solid"/>
-        </a:ln>
-        <a:ln w="25400" cap="flat" cmpd="sng" algn="ctr">
-          <a:solidFill>
-            <a:schemeClr val="phClr"/>
-          </a:solidFill>
-          <a:prstDash val="solid"/>
-        </a:ln>
-        <a:ln w="38100" cap="flat" cmpd="sng" algn="ctr">
-          <a:solidFill>
-            <a:schemeClr val="phClr"/>
-          </a:solidFill>
-          <a:prstDash val="solid"/>
-        </a:ln>
-      </a:lnStyleLst>
-      <a:effectStyleLst>
-        <a:effectStyle>
-          <a:effectLst>
-            <a:outerShdw blurRad="40000" dist="20000" dir="5400000" rotWithShape="0">
-              <a:srgbClr val="000000">
-                <a:alpha val="38000"/>
-              </a:srgbClr>
-            </a:outerShdw>
-          </a:effectLst>
-        </a:effectStyle>
-        <a:effectStyle>
-          <a:effectLst>
-            <a:outerShdw blurRad="40000" dist="23000" dir="5400000" rotWithShape="0">
-              <a:srgbClr val="000000">
-                <a:alpha val="35000"/>
-              </a:srgbClr>
-            </a:outerShdw>
-          </a:effectLst>
-        </a:effectStyle>
-        <a:effectStyle>
-          <a:effectLst>
-            <a:outerShdw blurRad="40000" dist="23000" dir="5400000" rotWithShape="0">
-              <a:srgbClr val="000000">
-                <a:alpha val="35000"/>
-              </a:srgbClr>
-            </a:outerShdw>
-          </a:effectLst>
-          <a:scene3d>
-            <a:camera prst="orthographicFront">
-              <a:rot lat="0" lon="0" rev="0"/>
-            </a:camera>
-            <a:lightRig rig="threePt" dir="t">
-              <a:rot lat="0" lon="0" rev="1200000"/>
-            </a:lightRig>
-          </a:scene3d>
-          <a:sp3d>
-            <a:bevelT w="63500" h="25400"/>
-          </a:sp3d>
-        </a:effectStyle>
-      </a:effectStyleLst>
-      <a:bgFillStyleLst>
-        <a:solidFill>
-          <a:schemeClr val="phClr"/>
-        </a:solidFill>
-        <a:gradFill rotWithShape="1">
-          <a:gsLst>
-            <a:gs pos="0">
-              <a:schemeClr val="phClr">
-                <a:tint val="40000"/>
-                <a:satMod val="350000"/>
-              </a:schemeClr>
-            </a:gs>
-            <a:gs pos="40000">
-              <a:schemeClr val="phClr">
-                <a:tint val="45000"/>
-                <a:shade val="99000"/>
-                <a:satMod val="350000"/>
-              </a:schemeClr>
-            </a:gs>
-            <a:gs pos="100000">
-              <a:schemeClr val="phClr">
-                <a:shade val="20000"/>
-                <a:satMod val="255000"/>
-              </a:schemeClr>
-            </a:gs>
-          </a:gsLst>
-          <a:path path="circle">
-            <a:fillToRect l="50000" t="-80000" r="50000" b="180000"/>
-          </a:path>
-        </a:gradFill>
-        <a:gradFill rotWithShape="1">
-          <a:gsLst>
-            <a:gs pos="0">
-              <a:schemeClr val="phClr">
-                <a:tint val="80000"/>
-                <a:satMod val="300000"/>
-              </a:schemeClr>
-            </a:gs>
-            <a:gs pos="100000">
-              <a:schemeClr val="phClr">
-                <a:shade val="30000"/>
-                <a:satMod val="200000"/>
-              </a:schemeClr>
-            </a:gs>
-          </a:gsLst>
-          <a:path path="circle">
-            <a:fillToRect l="50000" t="50000" r="50000" b="50000"/>
-          </a:path>
-        </a:gradFill>
-      </a:bgFillStyleLst>
-    </a:fmtScheme>
-  </a:themeElements>
-</a:theme>
 </file>
--- a/Final-Group-Presentation/Final-Group-Presentation.pptx
+++ b/Final-Group-Presentation/Final-Group-Presentation.pptx
@@ -7825,8 +7825,8 @@
         </p:blipFill>
         <p:spPr>
           <a:xfrm>
-            <a:off x="141050" y="1782825"/>
-            <a:ext cx="8820100" cy="2334000"/>
+            <a:off x="152400" y="1653425"/>
+            <a:ext cx="8839201" cy="2472790"/>
           </a:xfrm>
           <a:prstGeom prst="rect">
             <a:avLst/>
@@ -8059,7 +8059,7 @@
             </a:pPr>
             <a:r>
               <a:rPr lang="en"/>
-              <a:t>Random Forest Classifier model gave the best F-1 score followed by MLP Classifier. </a:t>
+              <a:t>XGBoost Classifier model gave the best F-1 score followed by Random Forest Classifier and MLP Classifier. </a:t>
             </a:r>
             <a:endParaRPr/>
           </a:p>
@@ -9421,8 +9421,8 @@
         </p:blipFill>
         <p:spPr>
           <a:xfrm>
-            <a:off x="152400" y="1813700"/>
-            <a:ext cx="8839202" cy="2256210"/>
+            <a:off x="152400" y="1632425"/>
+            <a:ext cx="8839201" cy="2472790"/>
           </a:xfrm>
           <a:prstGeom prst="rect">
             <a:avLst/>

--- a/Final-Group-Presentation/Final-Group-Presentation.pptx
+++ b/Final-Group-Presentation/Final-Group-Presentation.pptx
@@ -23,21 +23,22 @@
     <p:sldId id="268" r:id="rId18"/>
     <p:sldId id="269" r:id="rId19"/>
     <p:sldId id="270" r:id="rId20"/>
+    <p:sldId id="271" r:id="rId21"/>
   </p:sldIdLst>
   <p:sldSz cy="5143500" cx="9144000"/>
   <p:notesSz cx="6858000" cy="9144000"/>
   <p:embeddedFontLst>
     <p:embeddedFont>
       <p:font typeface="Roboto Slab"/>
-      <p:regular r:id="rId21"/>
-      <p:bold r:id="rId22"/>
+      <p:regular r:id="rId22"/>
+      <p:bold r:id="rId23"/>
     </p:embeddedFont>
     <p:embeddedFont>
       <p:font typeface="Roboto"/>
-      <p:regular r:id="rId23"/>
-      <p:bold r:id="rId24"/>
-      <p:italic r:id="rId25"/>
-      <p:boldItalic r:id="rId26"/>
+      <p:regular r:id="rId24"/>
+      <p:bold r:id="rId25"/>
+      <p:italic r:id="rId26"/>
+      <p:boldItalic r:id="rId27"/>
     </p:embeddedFont>
   </p:embeddedFontLst>
   <p:defaultTextStyle>
@@ -818,7 +819,7 @@
   <p:cSld>
     <p:spTree>
       <p:nvGrpSpPr>
-        <p:cNvPr id="120" name="Shape 120"/>
+        <p:cNvPr id="121" name="Shape 121"/>
         <p:cNvGrpSpPr/>
         <p:nvPr/>
       </p:nvGrpSpPr>
@@ -832,7 +833,7 @@
       </p:grpSpPr>
       <p:sp>
         <p:nvSpPr>
-          <p:cNvPr id="121" name="Google Shape;121;g23c73736dcc_0_19:notes"/>
+          <p:cNvPr id="122" name="Google Shape;122;g21ee2b7a005_1_0:notes"/>
           <p:cNvSpPr/>
           <p:nvPr>
             <p:ph idx="2" type="sldImg"/>
@@ -867,7 +868,7 @@
       </p:sp>
       <p:sp>
         <p:nvSpPr>
-          <p:cNvPr id="122" name="Google Shape;122;g23c73736dcc_0_19:notes"/>
+          <p:cNvPr id="123" name="Google Shape;123;g21ee2b7a005_1_0:notes"/>
           <p:cNvSpPr txBox="1"/>
           <p:nvPr>
             <p:ph idx="1" type="body"/>
@@ -917,7 +918,7 @@
   <p:cSld>
     <p:spTree>
       <p:nvGrpSpPr>
-        <p:cNvPr id="126" name="Shape 126"/>
+        <p:cNvPr id="127" name="Shape 127"/>
         <p:cNvGrpSpPr/>
         <p:nvPr/>
       </p:nvGrpSpPr>
@@ -931,7 +932,7 @@
       </p:grpSpPr>
       <p:sp>
         <p:nvSpPr>
-          <p:cNvPr id="127" name="Google Shape;127;g21ee2b7a005_1_5:notes"/>
+          <p:cNvPr id="128" name="Google Shape;128;g23c73736dcc_0_19:notes"/>
           <p:cNvSpPr/>
           <p:nvPr>
             <p:ph idx="2" type="sldImg"/>
@@ -966,7 +967,7 @@
       </p:sp>
       <p:sp>
         <p:nvSpPr>
-          <p:cNvPr id="128" name="Google Shape;128;g21ee2b7a005_1_5:notes"/>
+          <p:cNvPr id="129" name="Google Shape;129;g23c73736dcc_0_19:notes"/>
           <p:cNvSpPr txBox="1"/>
           <p:nvPr>
             <p:ph idx="1" type="body"/>
@@ -1016,7 +1017,7 @@
   <p:cSld>
     <p:spTree>
       <p:nvGrpSpPr>
-        <p:cNvPr id="132" name="Shape 132"/>
+        <p:cNvPr id="133" name="Shape 133"/>
         <p:cNvGrpSpPr/>
         <p:nvPr/>
       </p:nvGrpSpPr>
@@ -1030,7 +1031,7 @@
       </p:grpSpPr>
       <p:sp>
         <p:nvSpPr>
-          <p:cNvPr id="133" name="Google Shape;133;g23c73736dcc_0_47:notes"/>
+          <p:cNvPr id="134" name="Google Shape;134;g21ee2b7a005_1_5:notes"/>
           <p:cNvSpPr/>
           <p:nvPr>
             <p:ph idx="2" type="sldImg"/>
@@ -1065,7 +1066,7 @@
       </p:sp>
       <p:sp>
         <p:nvSpPr>
-          <p:cNvPr id="134" name="Google Shape;134;g23c73736dcc_0_47:notes"/>
+          <p:cNvPr id="135" name="Google Shape;135;g21ee2b7a005_1_5:notes"/>
           <p:cNvSpPr txBox="1"/>
           <p:nvPr>
             <p:ph idx="1" type="body"/>
@@ -1115,7 +1116,7 @@
   <p:cSld>
     <p:spTree>
       <p:nvGrpSpPr>
-        <p:cNvPr id="138" name="Shape 138"/>
+        <p:cNvPr id="139" name="Shape 139"/>
         <p:cNvGrpSpPr/>
         <p:nvPr/>
       </p:nvGrpSpPr>
@@ -1129,7 +1130,7 @@
       </p:grpSpPr>
       <p:sp>
         <p:nvSpPr>
-          <p:cNvPr id="139" name="Google Shape;139;g21ee2b7a005_1_10:notes"/>
+          <p:cNvPr id="140" name="Google Shape;140;g23c73736dcc_0_47:notes"/>
           <p:cNvSpPr/>
           <p:nvPr>
             <p:ph idx="2" type="sldImg"/>
@@ -1164,7 +1165,7 @@
       </p:sp>
       <p:sp>
         <p:nvSpPr>
-          <p:cNvPr id="140" name="Google Shape;140;g21ee2b7a005_1_10:notes"/>
+          <p:cNvPr id="141" name="Google Shape;141;g23c73736dcc_0_47:notes"/>
           <p:cNvSpPr txBox="1"/>
           <p:nvPr>
             <p:ph idx="1" type="body"/>
@@ -1214,7 +1215,7 @@
   <p:cSld>
     <p:spTree>
       <p:nvGrpSpPr>
-        <p:cNvPr id="144" name="Shape 144"/>
+        <p:cNvPr id="145" name="Shape 145"/>
         <p:cNvGrpSpPr/>
         <p:nvPr/>
       </p:nvGrpSpPr>
@@ -1228,7 +1229,7 @@
       </p:grpSpPr>
       <p:sp>
         <p:nvSpPr>
-          <p:cNvPr id="145" name="Google Shape;145;g21ee2b7a005_0_124:notes"/>
+          <p:cNvPr id="146" name="Google Shape;146;g21ee2b7a005_1_10:notes"/>
           <p:cNvSpPr/>
           <p:nvPr>
             <p:ph idx="2" type="sldImg"/>
@@ -1263,7 +1264,7 @@
       </p:sp>
       <p:sp>
         <p:nvSpPr>
-          <p:cNvPr id="146" name="Google Shape;146;g21ee2b7a005_0_124:notes"/>
+          <p:cNvPr id="147" name="Google Shape;147;g21ee2b7a005_1_10:notes"/>
           <p:cNvSpPr txBox="1"/>
           <p:nvPr>
             <p:ph idx="1" type="body"/>
@@ -1313,7 +1314,7 @@
   <p:cSld>
     <p:spTree>
       <p:nvGrpSpPr>
-        <p:cNvPr id="149" name="Shape 149"/>
+        <p:cNvPr id="151" name="Shape 151"/>
         <p:cNvGrpSpPr/>
         <p:nvPr/>
       </p:nvGrpSpPr>
@@ -1327,7 +1328,7 @@
       </p:grpSpPr>
       <p:sp>
         <p:nvSpPr>
-          <p:cNvPr id="150" name="Google Shape;150;g21ee2b7a005_1_15:notes"/>
+          <p:cNvPr id="152" name="Google Shape;152;g21ee2b7a005_0_124:notes"/>
           <p:cNvSpPr/>
           <p:nvPr>
             <p:ph idx="2" type="sldImg"/>
@@ -1362,7 +1363,106 @@
       </p:sp>
       <p:sp>
         <p:nvSpPr>
-          <p:cNvPr id="151" name="Google Shape;151;g21ee2b7a005_1_15:notes"/>
+          <p:cNvPr id="153" name="Google Shape;153;g21ee2b7a005_0_124:notes"/>
+          <p:cNvSpPr txBox="1"/>
+          <p:nvPr>
+            <p:ph idx="1" type="body"/>
+          </p:nvPr>
+        </p:nvSpPr>
+        <p:spPr>
+          <a:xfrm>
+            <a:off x="685800" y="4343400"/>
+            <a:ext cx="5486400" cy="4114800"/>
+          </a:xfrm>
+          <a:prstGeom prst="rect">
+            <a:avLst/>
+          </a:prstGeom>
+        </p:spPr>
+        <p:txBody>
+          <a:bodyPr anchorCtr="0" anchor="t" bIns="91425" lIns="91425" spcFirstLastPara="1" rIns="91425" wrap="square" tIns="91425">
+            <a:noAutofit/>
+          </a:bodyPr>
+          <a:lstStyle/>
+          <a:p>
+            <a:pPr indent="0" lvl="0" marL="0" rtl="0" algn="l">
+              <a:spcBef>
+                <a:spcPts val="0"/>
+              </a:spcBef>
+              <a:spcAft>
+                <a:spcPts val="0"/>
+              </a:spcAft>
+              <a:buNone/>
+            </a:pPr>
+            <a:r>
+              <a:t/>
+            </a:r>
+            <a:endParaRPr/>
+          </a:p>
+        </p:txBody>
+      </p:sp>
+    </p:spTree>
+  </p:cSld>
+  <p:clrMapOvr>
+    <a:masterClrMapping/>
+  </p:clrMapOvr>
+</p:notes>
+</file>
+
+<file path=ppt/notesSlides/notesSlide16.xml><?xml version="1.0" encoding="utf-8"?>
+<p:notes xmlns:a="http://schemas.openxmlformats.org/drawingml/2006/main" xmlns:r="http://schemas.openxmlformats.org/officeDocument/2006/relationships" xmlns:mc="http://schemas.openxmlformats.org/markup-compatibility/2006" xmlns:mv="urn:schemas-microsoft-com:mac:vml" xmlns:p="http://schemas.openxmlformats.org/presentationml/2006/main" xmlns:c="http://schemas.openxmlformats.org/drawingml/2006/chart" xmlns:dgm="http://schemas.openxmlformats.org/drawingml/2006/diagram" xmlns:o="urn:schemas-microsoft-com:office:office" xmlns:v="urn:schemas-microsoft-com:vml" xmlns:pvml="urn:schemas-microsoft-com:office:powerpoint" xmlns:com="http://schemas.openxmlformats.org/drawingml/2006/compatibility" xmlns:p14="http://schemas.microsoft.com/office/powerpoint/2010/main" xmlns:p15="http://schemas.microsoft.com/office/powerpoint/2012/main" xmlns:ahyp="http://schemas.microsoft.com/office/drawing/2018/hyperlinkcolor" showMasterPhAnim="0" showMasterSp="0">
+  <p:cSld>
+    <p:spTree>
+      <p:nvGrpSpPr>
+        <p:cNvPr id="156" name="Shape 156"/>
+        <p:cNvGrpSpPr/>
+        <p:nvPr/>
+      </p:nvGrpSpPr>
+      <p:grpSpPr>
+        <a:xfrm>
+          <a:off x="0" y="0"/>
+          <a:ext cx="0" cy="0"/>
+          <a:chOff x="0" y="0"/>
+          <a:chExt cx="0" cy="0"/>
+        </a:xfrm>
+      </p:grpSpPr>
+      <p:sp>
+        <p:nvSpPr>
+          <p:cNvPr id="157" name="Google Shape;157;g21ee2b7a005_1_15:notes"/>
+          <p:cNvSpPr/>
+          <p:nvPr>
+            <p:ph idx="2" type="sldImg"/>
+          </p:nvPr>
+        </p:nvSpPr>
+        <p:spPr>
+          <a:xfrm>
+            <a:off x="381300" y="685800"/>
+            <a:ext cx="6096000" cy="3429000"/>
+          </a:xfrm>
+          <a:custGeom>
+            <a:rect b="b" l="l" r="r" t="t"/>
+            <a:pathLst>
+              <a:path extrusionOk="0" h="120000" w="120000">
+                <a:moveTo>
+                  <a:pt x="0" y="0"/>
+                </a:moveTo>
+                <a:lnTo>
+                  <a:pt x="120000" y="0"/>
+                </a:lnTo>
+                <a:lnTo>
+                  <a:pt x="120000" y="120000"/>
+                </a:lnTo>
+                <a:lnTo>
+                  <a:pt x="0" y="120000"/>
+                </a:lnTo>
+                <a:close/>
+              </a:path>
+            </a:pathLst>
+          </a:custGeom>
+        </p:spPr>
+      </p:sp>
+      <p:sp>
+        <p:nvSpPr>
+          <p:cNvPr id="158" name="Google Shape;158;g21ee2b7a005_1_15:notes"/>
           <p:cNvSpPr txBox="1"/>
           <p:nvPr>
             <p:ph idx="1" type="body"/>
@@ -2020,7 +2120,7 @@
       </p:grpSpPr>
       <p:sp>
         <p:nvSpPr>
-          <p:cNvPr id="108" name="Google Shape;108;g23c73736dcc_0_10:notes"/>
+          <p:cNvPr id="108" name="Google Shape;108;g23c73736dcc_0_55:notes"/>
           <p:cNvSpPr/>
           <p:nvPr>
             <p:ph idx="2" type="sldImg"/>
@@ -2055,7 +2155,7 @@
       </p:sp>
       <p:sp>
         <p:nvSpPr>
-          <p:cNvPr id="109" name="Google Shape;109;g23c73736dcc_0_10:notes"/>
+          <p:cNvPr id="109" name="Google Shape;109;g23c73736dcc_0_55:notes"/>
           <p:cNvSpPr txBox="1"/>
           <p:nvPr>
             <p:ph idx="1" type="body"/>
@@ -2119,7 +2219,7 @@
       </p:grpSpPr>
       <p:sp>
         <p:nvSpPr>
-          <p:cNvPr id="115" name="Google Shape;115;g21ee2b7a005_1_0:notes"/>
+          <p:cNvPr id="115" name="Google Shape;115;g23c73736dcc_0_10:notes"/>
           <p:cNvSpPr/>
           <p:nvPr>
             <p:ph idx="2" type="sldImg"/>
@@ -2154,7 +2254,7 @@
       </p:sp>
       <p:sp>
         <p:nvSpPr>
-          <p:cNvPr id="116" name="Google Shape;116;g21ee2b7a005_1_0:notes"/>
+          <p:cNvPr id="116" name="Google Shape;116;g23c73736dcc_0_10:notes"/>
           <p:cNvSpPr txBox="1"/>
           <p:nvPr>
             <p:ph idx="1" type="body"/>
@@ -7664,7 +7764,7 @@
   <p:cSld>
     <p:spTree>
       <p:nvGrpSpPr>
-        <p:cNvPr id="123" name="Shape 123"/>
+        <p:cNvPr id="124" name="Shape 124"/>
         <p:cNvGrpSpPr/>
         <p:nvPr/>
       </p:nvGrpSpPr>
@@ -7678,7 +7778,7 @@
       </p:grpSpPr>
       <p:sp>
         <p:nvSpPr>
-          <p:cNvPr id="124" name="Google Shape;124;p22"/>
+          <p:cNvPr id="125" name="Google Shape;125;p22"/>
           <p:cNvSpPr txBox="1"/>
           <p:nvPr>
             <p:ph type="title"/>
@@ -7710,7 +7810,7 @@
             </a:pPr>
             <a:r>
               <a:rPr lang="en"/>
-              <a:t>Principal Component Analysis</a:t>
+              <a:t>Model Performance</a:t>
             </a:r>
             <a:endParaRPr/>
           </a:p>
@@ -7718,7 +7818,7 @@
       </p:sp>
       <p:pic>
         <p:nvPicPr>
-          <p:cNvPr id="125" name="Google Shape;125;p22"/>
+          <p:cNvPr id="126" name="Google Shape;126;p22"/>
           <p:cNvPicPr preferRelativeResize="0"/>
           <p:nvPr/>
         </p:nvPicPr>
@@ -7732,8 +7832,8 @@
         </p:blipFill>
         <p:spPr>
           <a:xfrm>
-            <a:off x="2181525" y="1277725"/>
-            <a:ext cx="5049475" cy="3694575"/>
+            <a:off x="152400" y="1632425"/>
+            <a:ext cx="8839201" cy="2472790"/>
           </a:xfrm>
           <a:prstGeom prst="rect">
             <a:avLst/>
@@ -7757,7 +7857,7 @@
   <p:cSld>
     <p:spTree>
       <p:nvGrpSpPr>
-        <p:cNvPr id="129" name="Shape 129"/>
+        <p:cNvPr id="130" name="Shape 130"/>
         <p:cNvGrpSpPr/>
         <p:nvPr/>
       </p:nvGrpSpPr>
@@ -7771,7 +7871,7 @@
       </p:grpSpPr>
       <p:sp>
         <p:nvSpPr>
-          <p:cNvPr id="130" name="Google Shape;130;p23"/>
+          <p:cNvPr id="131" name="Google Shape;131;p23"/>
           <p:cNvSpPr txBox="1"/>
           <p:nvPr>
             <p:ph type="title"/>
@@ -7803,7 +7903,7 @@
             </a:pPr>
             <a:r>
               <a:rPr lang="en"/>
-              <a:t>Model Performance after PCA</a:t>
+              <a:t>Principal Component Analysis</a:t>
             </a:r>
             <a:endParaRPr/>
           </a:p>
@@ -7811,7 +7911,7 @@
       </p:sp>
       <p:pic>
         <p:nvPicPr>
-          <p:cNvPr id="131" name="Google Shape;131;p23"/>
+          <p:cNvPr id="132" name="Google Shape;132;p23"/>
           <p:cNvPicPr preferRelativeResize="0"/>
           <p:nvPr/>
         </p:nvPicPr>
@@ -7825,8 +7925,8 @@
         </p:blipFill>
         <p:spPr>
           <a:xfrm>
-            <a:off x="152400" y="1653425"/>
-            <a:ext cx="8839201" cy="2472790"/>
+            <a:off x="2181525" y="1277725"/>
+            <a:ext cx="5049475" cy="3694575"/>
           </a:xfrm>
           <a:prstGeom prst="rect">
             <a:avLst/>
@@ -7850,7 +7950,7 @@
   <p:cSld>
     <p:spTree>
       <p:nvGrpSpPr>
-        <p:cNvPr id="135" name="Shape 135"/>
+        <p:cNvPr id="136" name="Shape 136"/>
         <p:cNvGrpSpPr/>
         <p:nvPr/>
       </p:nvGrpSpPr>
@@ -7864,7 +7964,7 @@
       </p:grpSpPr>
       <p:sp>
         <p:nvSpPr>
-          <p:cNvPr id="136" name="Google Shape;136;p24"/>
+          <p:cNvPr id="137" name="Google Shape;137;p24"/>
           <p:cNvSpPr txBox="1"/>
           <p:nvPr>
             <p:ph type="title"/>
@@ -7896,7 +7996,7 @@
             </a:pPr>
             <a:r>
               <a:rPr lang="en"/>
-              <a:t>K-Fold Cross Validation</a:t>
+              <a:t>Model Performance after PCA</a:t>
             </a:r>
             <a:endParaRPr/>
           </a:p>
@@ -7904,7 +8004,7 @@
       </p:sp>
       <p:pic>
         <p:nvPicPr>
-          <p:cNvPr id="137" name="Google Shape;137;p24"/>
+          <p:cNvPr id="138" name="Google Shape;138;p24"/>
           <p:cNvPicPr preferRelativeResize="0"/>
           <p:nvPr/>
         </p:nvPicPr>
@@ -7918,8 +8018,8 @@
         </p:blipFill>
         <p:spPr>
           <a:xfrm>
-            <a:off x="1181100" y="1999800"/>
-            <a:ext cx="6162675" cy="1474675"/>
+            <a:off x="152400" y="1653425"/>
+            <a:ext cx="8839201" cy="2472790"/>
           </a:xfrm>
           <a:prstGeom prst="rect">
             <a:avLst/>
@@ -7943,7 +8043,7 @@
   <p:cSld>
     <p:spTree>
       <p:nvGrpSpPr>
-        <p:cNvPr id="141" name="Shape 141"/>
+        <p:cNvPr id="142" name="Shape 142"/>
         <p:cNvGrpSpPr/>
         <p:nvPr/>
       </p:nvGrpSpPr>
@@ -7957,7 +8057,100 @@
       </p:grpSpPr>
       <p:sp>
         <p:nvSpPr>
-          <p:cNvPr id="142" name="Google Shape;142;p25"/>
+          <p:cNvPr id="143" name="Google Shape;143;p25"/>
+          <p:cNvSpPr txBox="1"/>
+          <p:nvPr>
+            <p:ph type="title"/>
+          </p:nvPr>
+        </p:nvSpPr>
+        <p:spPr>
+          <a:xfrm>
+            <a:off x="387900" y="458025"/>
+            <a:ext cx="8368200" cy="686100"/>
+          </a:xfrm>
+          <a:prstGeom prst="rect">
+            <a:avLst/>
+          </a:prstGeom>
+        </p:spPr>
+        <p:txBody>
+          <a:bodyPr anchorCtr="0" anchor="b" bIns="91425" lIns="91425" spcFirstLastPara="1" rIns="91425" wrap="square" tIns="91425">
+            <a:normAutofit/>
+          </a:bodyPr>
+          <a:lstStyle/>
+          <a:p>
+            <a:pPr indent="0" lvl="0" marL="0" rtl="0" algn="l">
+              <a:spcBef>
+                <a:spcPts val="0"/>
+              </a:spcBef>
+              <a:spcAft>
+                <a:spcPts val="0"/>
+              </a:spcAft>
+              <a:buNone/>
+            </a:pPr>
+            <a:r>
+              <a:rPr lang="en"/>
+              <a:t>K-Fold Cross Validation</a:t>
+            </a:r>
+            <a:endParaRPr/>
+          </a:p>
+        </p:txBody>
+      </p:sp>
+      <p:pic>
+        <p:nvPicPr>
+          <p:cNvPr id="144" name="Google Shape;144;p25"/>
+          <p:cNvPicPr preferRelativeResize="0"/>
+          <p:nvPr/>
+        </p:nvPicPr>
+        <p:blipFill>
+          <a:blip r:embed="rId3">
+            <a:alphaModFix/>
+          </a:blip>
+          <a:stretch>
+            <a:fillRect/>
+          </a:stretch>
+        </p:blipFill>
+        <p:spPr>
+          <a:xfrm>
+            <a:off x="1181100" y="1999800"/>
+            <a:ext cx="6162675" cy="1474675"/>
+          </a:xfrm>
+          <a:prstGeom prst="rect">
+            <a:avLst/>
+          </a:prstGeom>
+          <a:noFill/>
+          <a:ln>
+            <a:noFill/>
+          </a:ln>
+        </p:spPr>
+      </p:pic>
+    </p:spTree>
+  </p:cSld>
+  <p:clrMapOvr>
+    <a:masterClrMapping/>
+  </p:clrMapOvr>
+</p:sld>
+</file>
+
+<file path=ppt/slides/slide14.xml><?xml version="1.0" encoding="utf-8"?>
+<p:sld xmlns:a="http://schemas.openxmlformats.org/drawingml/2006/main" xmlns:r="http://schemas.openxmlformats.org/officeDocument/2006/relationships" xmlns:mc="http://schemas.openxmlformats.org/markup-compatibility/2006" xmlns:mv="urn:schemas-microsoft-com:mac:vml" xmlns:p="http://schemas.openxmlformats.org/presentationml/2006/main" xmlns:c="http://schemas.openxmlformats.org/drawingml/2006/chart" xmlns:dgm="http://schemas.openxmlformats.org/drawingml/2006/diagram" xmlns:o="urn:schemas-microsoft-com:office:office" xmlns:v="urn:schemas-microsoft-com:vml" xmlns:pvml="urn:schemas-microsoft-com:office:powerpoint" xmlns:com="http://schemas.openxmlformats.org/drawingml/2006/compatibility" xmlns:p14="http://schemas.microsoft.com/office/powerpoint/2010/main" xmlns:p15="http://schemas.microsoft.com/office/powerpoint/2012/main" xmlns:ahyp="http://schemas.microsoft.com/office/drawing/2018/hyperlinkcolor">
+  <p:cSld>
+    <p:spTree>
+      <p:nvGrpSpPr>
+        <p:cNvPr id="148" name="Shape 148"/>
+        <p:cNvGrpSpPr/>
+        <p:nvPr/>
+      </p:nvGrpSpPr>
+      <p:grpSpPr>
+        <a:xfrm>
+          <a:off x="0" y="0"/>
+          <a:ext cx="0" cy="0"/>
+          <a:chOff x="0" y="0"/>
+          <a:chExt cx="0" cy="0"/>
+        </a:xfrm>
+      </p:grpSpPr>
+      <p:sp>
+        <p:nvSpPr>
+          <p:cNvPr id="149" name="Google Shape;149;p26"/>
           <p:cNvSpPr txBox="1"/>
           <p:nvPr>
             <p:ph type="title"/>
@@ -7997,7 +8190,7 @@
       </p:sp>
       <p:sp>
         <p:nvSpPr>
-          <p:cNvPr id="143" name="Google Shape;143;p25"/>
+          <p:cNvPr id="150" name="Google Shape;150;p26"/>
           <p:cNvSpPr txBox="1"/>
           <p:nvPr>
             <p:ph idx="1" type="body"/>
@@ -8088,12 +8281,12 @@
 </p:sld>
 </file>
 
-<file path=ppt/slides/slide14.xml><?xml version="1.0" encoding="utf-8"?>
+<file path=ppt/slides/slide15.xml><?xml version="1.0" encoding="utf-8"?>
 <p:sld xmlns:a="http://schemas.openxmlformats.org/drawingml/2006/main" xmlns:r="http://schemas.openxmlformats.org/officeDocument/2006/relationships" xmlns:mc="http://schemas.openxmlformats.org/markup-compatibility/2006" xmlns:mv="urn:schemas-microsoft-com:mac:vml" xmlns:p="http://schemas.openxmlformats.org/presentationml/2006/main" xmlns:c="http://schemas.openxmlformats.org/drawingml/2006/chart" xmlns:dgm="http://schemas.openxmlformats.org/drawingml/2006/diagram" xmlns:o="urn:schemas-microsoft-com:office:office" xmlns:v="urn:schemas-microsoft-com:vml" xmlns:pvml="urn:schemas-microsoft-com:office:powerpoint" xmlns:com="http://schemas.openxmlformats.org/drawingml/2006/compatibility" xmlns:p14="http://schemas.microsoft.com/office/powerpoint/2010/main" xmlns:p15="http://schemas.microsoft.com/office/powerpoint/2012/main" xmlns:ahyp="http://schemas.microsoft.com/office/drawing/2018/hyperlinkcolor">
   <p:cSld>
     <p:spTree>
       <p:nvGrpSpPr>
-        <p:cNvPr id="147" name="Shape 147"/>
+        <p:cNvPr id="154" name="Shape 154"/>
         <p:cNvGrpSpPr/>
         <p:nvPr/>
       </p:nvGrpSpPr>
@@ -8107,7 +8300,7 @@
       </p:grpSpPr>
       <p:sp>
         <p:nvSpPr>
-          <p:cNvPr id="148" name="Google Shape;148;p26"/>
+          <p:cNvPr id="155" name="Google Shape;155;p27"/>
           <p:cNvSpPr txBox="1"/>
           <p:nvPr>
             <p:ph type="title"/>
@@ -8153,12 +8346,12 @@
 </p:sld>
 </file>
 
-<file path=ppt/slides/slide15.xml><?xml version="1.0" encoding="utf-8"?>
+<file path=ppt/slides/slide16.xml><?xml version="1.0" encoding="utf-8"?>
 <p:sld xmlns:a="http://schemas.openxmlformats.org/drawingml/2006/main" xmlns:r="http://schemas.openxmlformats.org/officeDocument/2006/relationships" xmlns:mc="http://schemas.openxmlformats.org/markup-compatibility/2006" xmlns:mv="urn:schemas-microsoft-com:mac:vml" xmlns:p="http://schemas.openxmlformats.org/presentationml/2006/main" xmlns:c="http://schemas.openxmlformats.org/drawingml/2006/chart" xmlns:dgm="http://schemas.openxmlformats.org/drawingml/2006/diagram" xmlns:o="urn:schemas-microsoft-com:office:office" xmlns:v="urn:schemas-microsoft-com:vml" xmlns:pvml="urn:schemas-microsoft-com:office:powerpoint" xmlns:com="http://schemas.openxmlformats.org/drawingml/2006/compatibility" xmlns:p14="http://schemas.microsoft.com/office/powerpoint/2010/main" xmlns:p15="http://schemas.microsoft.com/office/powerpoint/2012/main" xmlns:ahyp="http://schemas.microsoft.com/office/drawing/2018/hyperlinkcolor">
   <p:cSld>
     <p:spTree>
       <p:nvGrpSpPr>
-        <p:cNvPr id="152" name="Shape 152"/>
+        <p:cNvPr id="159" name="Shape 159"/>
         <p:cNvGrpSpPr/>
         <p:nvPr/>
       </p:nvGrpSpPr>
@@ -8172,7 +8365,7 @@
       </p:grpSpPr>
       <p:sp>
         <p:nvSpPr>
-          <p:cNvPr id="153" name="Google Shape;153;p27"/>
+          <p:cNvPr id="160" name="Google Shape;160;p28"/>
           <p:cNvSpPr txBox="1"/>
           <p:nvPr>
             <p:ph type="title"/>
@@ -9088,7 +9281,7 @@
             </a:pPr>
             <a:r>
               <a:rPr lang="en"/>
-              <a:t>F-regression - Categorical</a:t>
+              <a:t>Chi-Square - Categorical</a:t>
             </a:r>
             <a:r>
               <a:rPr lang="en"/>
@@ -9278,7 +9471,65 @@
             </a:pPr>
             <a:r>
               <a:rPr lang="en"/>
-              <a:t>Data Imbalance - SMOTE</a:t>
+              <a:t>Feature Handling</a:t>
+            </a:r>
+            <a:endParaRPr/>
+          </a:p>
+        </p:txBody>
+      </p:sp>
+      <p:sp>
+        <p:nvSpPr>
+          <p:cNvPr id="112" name="Google Shape;112;p20"/>
+          <p:cNvSpPr txBox="1"/>
+          <p:nvPr>
+            <p:ph idx="1" type="body"/>
+          </p:nvPr>
+        </p:nvSpPr>
+        <p:spPr>
+          <a:xfrm>
+            <a:off x="387900" y="1489824"/>
+            <a:ext cx="8368200" cy="3078900"/>
+          </a:xfrm>
+          <a:prstGeom prst="rect">
+            <a:avLst/>
+          </a:prstGeom>
+        </p:spPr>
+        <p:txBody>
+          <a:bodyPr anchorCtr="0" anchor="t" bIns="91425" lIns="91425" spcFirstLastPara="1" rIns="91425" wrap="square" tIns="91425">
+            <a:normAutofit/>
+          </a:bodyPr>
+          <a:lstStyle/>
+          <a:p>
+            <a:pPr indent="-342900" lvl="0" marL="457200" rtl="0" algn="l">
+              <a:spcBef>
+                <a:spcPts val="0"/>
+              </a:spcBef>
+              <a:spcAft>
+                <a:spcPts val="0"/>
+              </a:spcAft>
+              <a:buSzPts val="1800"/>
+              <a:buChar char="●"/>
+            </a:pPr>
+            <a:r>
+              <a:rPr lang="en"/>
+              <a:t>Standard Scaling for numerical data</a:t>
+            </a:r>
+            <a:endParaRPr/>
+          </a:p>
+          <a:p>
+            <a:pPr indent="-342900" lvl="0" marL="457200" rtl="0" algn="l">
+              <a:spcBef>
+                <a:spcPts val="0"/>
+              </a:spcBef>
+              <a:spcAft>
+                <a:spcPts val="0"/>
+              </a:spcAft>
+              <a:buSzPts val="1800"/>
+              <a:buChar char="●"/>
+            </a:pPr>
+            <a:r>
+              <a:rPr lang="en"/>
+              <a:t>One-hot Encoding for categorical data</a:t>
             </a:r>
             <a:endParaRPr/>
           </a:p>
@@ -9286,7 +9537,7 @@
       </p:sp>
       <p:pic>
         <p:nvPicPr>
-          <p:cNvPr id="112" name="Google Shape;112;p20"/>
+          <p:cNvPr id="113" name="Google Shape;113;p20"/>
           <p:cNvPicPr preferRelativeResize="0"/>
           <p:nvPr/>
         </p:nvPicPr>
@@ -9300,36 +9551,8 @@
         </p:blipFill>
         <p:spPr>
           <a:xfrm>
-            <a:off x="338500" y="1489825"/>
-            <a:ext cx="4146774" cy="3361675"/>
-          </a:xfrm>
-          <a:prstGeom prst="rect">
-            <a:avLst/>
-          </a:prstGeom>
-          <a:noFill/>
-          <a:ln>
-            <a:noFill/>
-          </a:ln>
-        </p:spPr>
-      </p:pic>
-      <p:pic>
-        <p:nvPicPr>
-          <p:cNvPr id="113" name="Google Shape;113;p20"/>
-          <p:cNvPicPr preferRelativeResize="0"/>
-          <p:nvPr/>
-        </p:nvPicPr>
-        <p:blipFill>
-          <a:blip r:embed="rId4">
-            <a:alphaModFix/>
-          </a:blip>
-          <a:stretch>
-            <a:fillRect/>
-          </a:stretch>
-        </p:blipFill>
-        <p:spPr>
-          <a:xfrm>
-            <a:off x="4637675" y="1489825"/>
-            <a:ext cx="4353925" cy="3361675"/>
+            <a:off x="387900" y="2266550"/>
+            <a:ext cx="8368201" cy="2302175"/>
           </a:xfrm>
           <a:prstGeom prst="rect">
             <a:avLst/>
@@ -9399,7 +9622,7 @@
             </a:pPr>
             <a:r>
               <a:rPr lang="en"/>
-              <a:t>Model Performance</a:t>
+              <a:t>Data Imbalance - SMOTE</a:t>
             </a:r>
             <a:endParaRPr/>
           </a:p>
@@ -9421,8 +9644,36 @@
         </p:blipFill>
         <p:spPr>
           <a:xfrm>
-            <a:off x="152400" y="1632425"/>
-            <a:ext cx="8839201" cy="2472790"/>
+            <a:off x="338500" y="1489825"/>
+            <a:ext cx="4146774" cy="3361675"/>
+          </a:xfrm>
+          <a:prstGeom prst="rect">
+            <a:avLst/>
+          </a:prstGeom>
+          <a:noFill/>
+          <a:ln>
+            <a:noFill/>
+          </a:ln>
+        </p:spPr>
+      </p:pic>
+      <p:pic>
+        <p:nvPicPr>
+          <p:cNvPr id="120" name="Google Shape;120;p21"/>
+          <p:cNvPicPr preferRelativeResize="0"/>
+          <p:nvPr/>
+        </p:nvPicPr>
+        <p:blipFill>
+          <a:blip r:embed="rId4">
+            <a:alphaModFix/>
+          </a:blip>
+          <a:stretch>
+            <a:fillRect/>
+          </a:stretch>
+        </p:blipFill>
+        <p:spPr>
+          <a:xfrm>
+            <a:off x="4637675" y="1489825"/>
+            <a:ext cx="4353925" cy="3361675"/>
           </a:xfrm>
           <a:prstGeom prst="rect">
             <a:avLst/>
